--- a/final_presentation/VAML Final Presentation.pptx
+++ b/final_presentation/VAML Final Presentation.pptx
@@ -5,7 +5,7 @@
     <p:sldMasterId id="2147483648" r:id="rId1"/>
   </p:sldMasterIdLst>
   <p:notesMasterIdLst>
-    <p:notesMasterId r:id="rId17"/>
+    <p:notesMasterId r:id="rId22"/>
   </p:notesMasterIdLst>
   <p:sldIdLst>
     <p:sldId id="256" r:id="rId2"/>
@@ -23,6 +23,11 @@
     <p:sldId id="269" r:id="rId14"/>
     <p:sldId id="270" r:id="rId15"/>
     <p:sldId id="271" r:id="rId16"/>
+    <p:sldId id="272" r:id="rId17"/>
+    <p:sldId id="273" r:id="rId18"/>
+    <p:sldId id="274" r:id="rId19"/>
+    <p:sldId id="275" r:id="rId20"/>
+    <p:sldId id="276" r:id="rId21"/>
   </p:sldIdLst>
   <p:sldSz cx="12192000" cy="6858000"/>
   <p:notesSz cx="6858000" cy="9144000"/>
@@ -121,6 +126,11 @@
       </a:defRPr>
     </a:lvl9pPr>
   </p:defaultTextStyle>
+  <p:extLst>
+    <p:ext uri="{EFAFB233-063F-42B5-8137-9DF3F51BA10A}">
+      <p15:sldGuideLst xmlns:p15="http://schemas.microsoft.com/office/powerpoint/2012/main"/>
+    </p:ext>
+  </p:extLst>
 </p:presentation>
 </file>
 
@@ -1704,21 +1714,21 @@
     </dgm:pt>
   </dgm:ptLst>
   <dgm:cxnLst>
-    <dgm:cxn modelId="{18912D3D-4262-4C00-9E54-ACDE44E095F0}" type="presOf" srcId="{8E6E64F1-F529-4BE5-8280-C54D3E68AD93}" destId="{86DCBAF2-90B6-490B-B96F-EBBBD49666E5}" srcOrd="0" destOrd="0" presId="urn:microsoft.com/office/officeart/2005/8/layout/hProcess9"/>
-    <dgm:cxn modelId="{56F5BDC4-D33C-468C-999C-5FA969F32093}" type="presOf" srcId="{3063FDB6-34C5-4054-89EF-187F7A80FC50}" destId="{53AC01DA-EF6A-4A35-9CEC-16E840DFFDA8}" srcOrd="0" destOrd="0" presId="urn:microsoft.com/office/officeart/2005/8/layout/hProcess9"/>
-    <dgm:cxn modelId="{A1DAAF44-65A8-4399-8127-19C493C5224C}" type="presOf" srcId="{AF962326-E88B-4BFD-9B3A-17133C57ED99}" destId="{95E4E1FE-7D13-410F-92DE-AD42AB6A4476}" srcOrd="0" destOrd="0" presId="urn:microsoft.com/office/officeart/2005/8/layout/hProcess9"/>
-    <dgm:cxn modelId="{14F28854-D087-4765-B248-72292E1DBBF6}" srcId="{4F7AA08E-AA84-428A-9DE5-3B7719F9E600}" destId="{CD6E029F-F7B4-4F6F-AB3D-8991B2734ED8}" srcOrd="6" destOrd="0" parTransId="{ADF4DAFB-60B9-42BE-9D89-20A1DB0879A4}" sibTransId="{92B55F62-5FEF-4E23-811E-46D7F5286216}"/>
-    <dgm:cxn modelId="{52FF72C9-4D68-4B7D-BCD9-DA59B0B02160}" type="presOf" srcId="{CD6E029F-F7B4-4F6F-AB3D-8991B2734ED8}" destId="{5D30EE7B-9F05-423D-B42E-24AE5E6B45D9}" srcOrd="0" destOrd="0" presId="urn:microsoft.com/office/officeart/2005/8/layout/hProcess9"/>
-    <dgm:cxn modelId="{7101257E-0551-41C5-8C3B-D9EDF0761770}" type="presOf" srcId="{FFA3F70D-5F14-4D22-A076-33A7AEAD4855}" destId="{D9D671E5-6709-4BA2-AEF2-160813B5A6B4}" srcOrd="0" destOrd="0" presId="urn:microsoft.com/office/officeart/2005/8/layout/hProcess9"/>
-    <dgm:cxn modelId="{C62508BF-CCAF-413F-83BA-6215ACAF0291}" srcId="{4F7AA08E-AA84-428A-9DE5-3B7719F9E600}" destId="{3063FDB6-34C5-4054-89EF-187F7A80FC50}" srcOrd="1" destOrd="0" parTransId="{A7EFB2F8-FBF3-40A0-80DA-22500F274CE0}" sibTransId="{5B5FD93A-07F6-4775-836F-6DF34591D86E}"/>
-    <dgm:cxn modelId="{3FFEC153-7ECE-4A88-9967-0640B8AD929D}" srcId="{4F7AA08E-AA84-428A-9DE5-3B7719F9E600}" destId="{4E4B90F3-D4BB-41E7-93F5-FF509F8A0F84}" srcOrd="3" destOrd="0" parTransId="{10614B0B-C89A-4E9E-BE01-1BCA50E05622}" sibTransId="{BC0E9E77-27CF-4122-9401-06B3A261559A}"/>
-    <dgm:cxn modelId="{2A11C353-2671-4E9E-9ADF-305A5373848C}" srcId="{4F7AA08E-AA84-428A-9DE5-3B7719F9E600}" destId="{8E6E64F1-F529-4BE5-8280-C54D3E68AD93}" srcOrd="4" destOrd="0" parTransId="{07375ED0-0175-46E1-A7E0-3387C77D4873}" sibTransId="{82BBBCB5-D9BD-449E-A941-69AC724C9AB1}"/>
     <dgm:cxn modelId="{D4852FB8-6268-4DB8-96C3-C13ACB21ECA1}" type="presOf" srcId="{4F7AA08E-AA84-428A-9DE5-3B7719F9E600}" destId="{1EF60E28-9377-484B-B630-347D6140DD78}" srcOrd="0" destOrd="0" presId="urn:microsoft.com/office/officeart/2005/8/layout/hProcess9"/>
     <dgm:cxn modelId="{40B525FB-62F3-4350-B79A-79AD168B8E1B}" type="presOf" srcId="{4E4B90F3-D4BB-41E7-93F5-FF509F8A0F84}" destId="{B164F34D-1D6C-4DEC-8FE4-0B11499EC71B}" srcOrd="0" destOrd="0" presId="urn:microsoft.com/office/officeart/2005/8/layout/hProcess9"/>
+    <dgm:cxn modelId="{3417BD3C-882C-4127-8FFB-956E4768C3B5}" srcId="{4F7AA08E-AA84-428A-9DE5-3B7719F9E600}" destId="{AF962326-E88B-4BFD-9B3A-17133C57ED99}" srcOrd="0" destOrd="0" parTransId="{37849BA5-4D9A-469A-B23A-ACBA1F8E5CA8}" sibTransId="{E5EE64C0-81F8-4859-A38C-D6A00974E90F}"/>
     <dgm:cxn modelId="{0F2979A2-1427-499A-AB9A-3E0518E59BF2}" srcId="{4F7AA08E-AA84-428A-9DE5-3B7719F9E600}" destId="{1EC89E3F-AD1E-4FD7-9850-1E0C60FFD2AF}" srcOrd="2" destOrd="0" parTransId="{79CFBFED-4CE8-46C3-9D7D-A2351670BDFF}" sibTransId="{77E42304-1D86-4B49-897E-6491181A337F}"/>
+    <dgm:cxn modelId="{7101257E-0551-41C5-8C3B-D9EDF0761770}" type="presOf" srcId="{FFA3F70D-5F14-4D22-A076-33A7AEAD4855}" destId="{D9D671E5-6709-4BA2-AEF2-160813B5A6B4}" srcOrd="0" destOrd="0" presId="urn:microsoft.com/office/officeart/2005/8/layout/hProcess9"/>
+    <dgm:cxn modelId="{18912D3D-4262-4C00-9E54-ACDE44E095F0}" type="presOf" srcId="{8E6E64F1-F529-4BE5-8280-C54D3E68AD93}" destId="{86DCBAF2-90B6-490B-B96F-EBBBD49666E5}" srcOrd="0" destOrd="0" presId="urn:microsoft.com/office/officeart/2005/8/layout/hProcess9"/>
+    <dgm:cxn modelId="{14F28854-D087-4765-B248-72292E1DBBF6}" srcId="{4F7AA08E-AA84-428A-9DE5-3B7719F9E600}" destId="{CD6E029F-F7B4-4F6F-AB3D-8991B2734ED8}" srcOrd="6" destOrd="0" parTransId="{ADF4DAFB-60B9-42BE-9D89-20A1DB0879A4}" sibTransId="{92B55F62-5FEF-4E23-811E-46D7F5286216}"/>
+    <dgm:cxn modelId="{56F5BDC4-D33C-468C-999C-5FA969F32093}" type="presOf" srcId="{3063FDB6-34C5-4054-89EF-187F7A80FC50}" destId="{53AC01DA-EF6A-4A35-9CEC-16E840DFFDA8}" srcOrd="0" destOrd="0" presId="urn:microsoft.com/office/officeart/2005/8/layout/hProcess9"/>
+    <dgm:cxn modelId="{7F959159-D42F-44A9-8E58-5A6C43D633BE}" type="presOf" srcId="{1EC89E3F-AD1E-4FD7-9850-1E0C60FFD2AF}" destId="{95C1F2C3-E38C-43F6-996E-69E96143860C}" srcOrd="0" destOrd="0" presId="urn:microsoft.com/office/officeart/2005/8/layout/hProcess9"/>
+    <dgm:cxn modelId="{2A11C353-2671-4E9E-9ADF-305A5373848C}" srcId="{4F7AA08E-AA84-428A-9DE5-3B7719F9E600}" destId="{8E6E64F1-F529-4BE5-8280-C54D3E68AD93}" srcOrd="4" destOrd="0" parTransId="{07375ED0-0175-46E1-A7E0-3387C77D4873}" sibTransId="{82BBBCB5-D9BD-449E-A941-69AC724C9AB1}"/>
+    <dgm:cxn modelId="{C62508BF-CCAF-413F-83BA-6215ACAF0291}" srcId="{4F7AA08E-AA84-428A-9DE5-3B7719F9E600}" destId="{3063FDB6-34C5-4054-89EF-187F7A80FC50}" srcOrd="1" destOrd="0" parTransId="{A7EFB2F8-FBF3-40A0-80DA-22500F274CE0}" sibTransId="{5B5FD93A-07F6-4775-836F-6DF34591D86E}"/>
+    <dgm:cxn modelId="{A1DAAF44-65A8-4399-8127-19C493C5224C}" type="presOf" srcId="{AF962326-E88B-4BFD-9B3A-17133C57ED99}" destId="{95E4E1FE-7D13-410F-92DE-AD42AB6A4476}" srcOrd="0" destOrd="0" presId="urn:microsoft.com/office/officeart/2005/8/layout/hProcess9"/>
+    <dgm:cxn modelId="{52FF72C9-4D68-4B7D-BCD9-DA59B0B02160}" type="presOf" srcId="{CD6E029F-F7B4-4F6F-AB3D-8991B2734ED8}" destId="{5D30EE7B-9F05-423D-B42E-24AE5E6B45D9}" srcOrd="0" destOrd="0" presId="urn:microsoft.com/office/officeart/2005/8/layout/hProcess9"/>
+    <dgm:cxn modelId="{3FFEC153-7ECE-4A88-9967-0640B8AD929D}" srcId="{4F7AA08E-AA84-428A-9DE5-3B7719F9E600}" destId="{4E4B90F3-D4BB-41E7-93F5-FF509F8A0F84}" srcOrd="3" destOrd="0" parTransId="{10614B0B-C89A-4E9E-BE01-1BCA50E05622}" sibTransId="{BC0E9E77-27CF-4122-9401-06B3A261559A}"/>
     <dgm:cxn modelId="{669E17E3-2D93-4CD7-B38A-649E8704A7AA}" srcId="{4F7AA08E-AA84-428A-9DE5-3B7719F9E600}" destId="{FFA3F70D-5F14-4D22-A076-33A7AEAD4855}" srcOrd="5" destOrd="0" parTransId="{A8503CB9-B215-4410-8958-1BA1968706B9}" sibTransId="{16AAE967-8FDF-4AD7-A102-3E883AED424F}"/>
-    <dgm:cxn modelId="{7F959159-D42F-44A9-8E58-5A6C43D633BE}" type="presOf" srcId="{1EC89E3F-AD1E-4FD7-9850-1E0C60FFD2AF}" destId="{95C1F2C3-E38C-43F6-996E-69E96143860C}" srcOrd="0" destOrd="0" presId="urn:microsoft.com/office/officeart/2005/8/layout/hProcess9"/>
-    <dgm:cxn modelId="{3417BD3C-882C-4127-8FFB-956E4768C3B5}" srcId="{4F7AA08E-AA84-428A-9DE5-3B7719F9E600}" destId="{AF962326-E88B-4BFD-9B3A-17133C57ED99}" srcOrd="0" destOrd="0" parTransId="{37849BA5-4D9A-469A-B23A-ACBA1F8E5CA8}" sibTransId="{E5EE64C0-81F8-4859-A38C-D6A00974E90F}"/>
     <dgm:cxn modelId="{11105D6E-2E42-41F5-B514-354A5AB6F94E}" type="presParOf" srcId="{1EF60E28-9377-484B-B630-347D6140DD78}" destId="{FE638D24-AEF2-4FBF-81AA-08E9F0750A0D}" srcOrd="0" destOrd="0" presId="urn:microsoft.com/office/officeart/2005/8/layout/hProcess9"/>
     <dgm:cxn modelId="{E1CE28F9-C4D0-49E6-A47F-DAD8D69B295E}" type="presParOf" srcId="{1EF60E28-9377-484B-B630-347D6140DD78}" destId="{5A5F14E2-37CF-4F1D-AD34-2DEEE504F16C}" srcOrd="1" destOrd="0" presId="urn:microsoft.com/office/officeart/2005/8/layout/hProcess9"/>
     <dgm:cxn modelId="{14434F04-5BC5-4C78-A404-5D9581DAAF17}" type="presParOf" srcId="{5A5F14E2-37CF-4F1D-AD34-2DEEE504F16C}" destId="{95E4E1FE-7D13-410F-92DE-AD42AB6A4476}" srcOrd="0" destOrd="0" presId="urn:microsoft.com/office/officeart/2005/8/layout/hProcess9"/>
@@ -4121,7 +4131,15 @@
             </a:r>
             <a:r>
               <a:rPr lang="en-US" altLang="zh-CN" baseline="0" dirty="0" smtClean="0"/>
-              <a:t> in building model stage or in evaluating performance for a target application.  </a:t>
+              <a:t> in </a:t>
+            </a:r>
+            <a:r>
+              <a:rPr lang="en-US" altLang="zh-CN" baseline="0" dirty="0" smtClean="0"/>
+              <a:t>the stage of building model </a:t>
+            </a:r>
+            <a:r>
+              <a:rPr lang="en-US" altLang="zh-CN" baseline="0" dirty="0" smtClean="0"/>
+              <a:t>or in evaluating performance for a target application.  </a:t>
             </a:r>
             <a:endParaRPr lang="zh-CN" altLang="en-US" dirty="0" smtClean="0"/>
           </a:p>
@@ -4212,6 +4230,124 @@
           <a:p>
             <a:r>
               <a:rPr lang="en-US" altLang="zh-CN" dirty="0" smtClean="0"/>
+              <a:t>The projection view uses a scatter plot to show the 2 dimension PCA project result. I</a:t>
+            </a:r>
+            <a:r>
+              <a:rPr lang="en-US" altLang="zh-CN" baseline="0" dirty="0" smtClean="0"/>
+              <a:t> draw it because it’s the most directly result we get from PCA. User can get the most 2 important composite components which describe high dimensional dataset well. Scatter plot provides a clear view on the projection. </a:t>
+            </a:r>
+          </a:p>
+          <a:p>
+            <a:r>
+              <a:rPr lang="en-US" altLang="zh-CN" baseline="0" dirty="0" err="1" smtClean="0"/>
+              <a:t>Xaxis</a:t>
+            </a:r>
+            <a:r>
+              <a:rPr lang="en-US" altLang="zh-CN" baseline="0" dirty="0" smtClean="0"/>
+              <a:t> is PC1 value and </a:t>
+            </a:r>
+            <a:r>
+              <a:rPr lang="en-US" altLang="zh-CN" baseline="0" dirty="0" err="1" smtClean="0"/>
+              <a:t>yaxis</a:t>
+            </a:r>
+            <a:r>
+              <a:rPr lang="en-US" altLang="zh-CN" baseline="0" dirty="0" smtClean="0"/>
+              <a:t> is PC2  value. Color represents time period selected by user in the </a:t>
+            </a:r>
+            <a:r>
+              <a:rPr lang="en-US" altLang="zh-CN" baseline="0" dirty="0" err="1" smtClean="0"/>
+              <a:t>linechart</a:t>
+            </a:r>
+            <a:r>
+              <a:rPr lang="en-US" altLang="zh-CN" baseline="0" dirty="0" smtClean="0"/>
+              <a:t>. The illumination in each group represent the latency or time. And if user brush or select data items in parallel coordinator plots, the opacity here will change to show if it is selected.  </a:t>
+            </a:r>
+            <a:endParaRPr lang="zh-CN" altLang="en-US" dirty="0"/>
+          </a:p>
+        </p:txBody>
+      </p:sp>
+      <p:sp>
+        <p:nvSpPr>
+          <p:cNvPr id="4" name="Slide Number Placeholder 3"/>
+          <p:cNvSpPr>
+            <a:spLocks noGrp="1"/>
+          </p:cNvSpPr>
+          <p:nvPr>
+            <p:ph type="sldNum" sz="quarter" idx="10"/>
+          </p:nvPr>
+        </p:nvSpPr>
+        <p:spPr/>
+        <p:txBody>
+          <a:bodyPr/>
+          <a:lstStyle/>
+          <a:p>
+            <a:fld id="{11C9F9BA-DAA9-4436-A646-F33D94DB5BA5}" type="slidenum">
+              <a:rPr lang="zh-CN" altLang="en-US" smtClean="0"/>
+              <a:t>12</a:t>
+            </a:fld>
+            <a:endParaRPr lang="zh-CN" altLang="en-US"/>
+          </a:p>
+        </p:txBody>
+      </p:sp>
+    </p:spTree>
+    <p:extLst>
+      <p:ext uri="{BB962C8B-B14F-4D97-AF65-F5344CB8AC3E}">
+        <p14:creationId xmlns:p14="http://schemas.microsoft.com/office/powerpoint/2010/main" val="1918638900"/>
+      </p:ext>
+    </p:extLst>
+  </p:cSld>
+  <p:clrMapOvr>
+    <a:masterClrMapping/>
+  </p:clrMapOvr>
+</p:notes>
+</file>
+
+<file path=ppt/notesSlides/notesSlide11.xml><?xml version="1.0" encoding="utf-8"?>
+<p:notes xmlns:a="http://schemas.openxmlformats.org/drawingml/2006/main" xmlns:r="http://schemas.openxmlformats.org/officeDocument/2006/relationships" xmlns:p="http://schemas.openxmlformats.org/presentationml/2006/main">
+  <p:cSld>
+    <p:spTree>
+      <p:nvGrpSpPr>
+        <p:cNvPr id="1" name=""/>
+        <p:cNvGrpSpPr/>
+        <p:nvPr/>
+      </p:nvGrpSpPr>
+      <p:grpSpPr>
+        <a:xfrm>
+          <a:off x="0" y="0"/>
+          <a:ext cx="0" cy="0"/>
+          <a:chOff x="0" y="0"/>
+          <a:chExt cx="0" cy="0"/>
+        </a:xfrm>
+      </p:grpSpPr>
+      <p:sp>
+        <p:nvSpPr>
+          <p:cNvPr id="2" name="Slide Image Placeholder 1"/>
+          <p:cNvSpPr>
+            <a:spLocks noGrp="1" noRot="1" noChangeAspect="1"/>
+          </p:cNvSpPr>
+          <p:nvPr>
+            <p:ph type="sldImg"/>
+          </p:nvPr>
+        </p:nvSpPr>
+        <p:spPr/>
+      </p:sp>
+      <p:sp>
+        <p:nvSpPr>
+          <p:cNvPr id="3" name="Notes Placeholder 2"/>
+          <p:cNvSpPr>
+            <a:spLocks noGrp="1"/>
+          </p:cNvSpPr>
+          <p:nvPr>
+            <p:ph type="body" idx="1"/>
+          </p:nvPr>
+        </p:nvSpPr>
+        <p:spPr/>
+        <p:txBody>
+          <a:bodyPr/>
+          <a:lstStyle/>
+          <a:p>
+            <a:r>
+              <a:rPr lang="en-US" altLang="zh-CN" dirty="0" smtClean="0"/>
               <a:t>From PCA we can get principle</a:t>
             </a:r>
             <a:r>
@@ -4224,7 +4360,43 @@
             </a:r>
             <a:r>
               <a:rPr lang="en-US" altLang="zh-CN" baseline="0" dirty="0" smtClean="0"/>
-              <a:t> But how can human get how the principle components are related to the actual attributes? So I plot these two grouped </a:t>
+              <a:t> But how can human get </a:t>
+            </a:r>
+            <a:r>
+              <a:rPr lang="en-US" altLang="zh-CN" baseline="0" dirty="0" smtClean="0"/>
+              <a:t>the actual meaning of them, like how </a:t>
+            </a:r>
+            <a:r>
+              <a:rPr lang="en-US" altLang="zh-CN" baseline="0" dirty="0" smtClean="0"/>
+              <a:t>the principle components are related to the actual attributes? So I plot these two </a:t>
+            </a:r>
+            <a:r>
+              <a:rPr lang="en-US" altLang="zh-CN" baseline="0" dirty="0" err="1" smtClean="0"/>
+              <a:t>barcharts</a:t>
+            </a:r>
+            <a:r>
+              <a:rPr lang="en-US" altLang="zh-CN" baseline="0" dirty="0" smtClean="0"/>
+              <a:t> </a:t>
+            </a:r>
+            <a:r>
+              <a:rPr lang="en-US" altLang="zh-CN" baseline="0" dirty="0" smtClean="0"/>
+              <a:t>to show and compare the ratio of actual attributes count in principle component analysis result. </a:t>
+            </a:r>
+            <a:r>
+              <a:rPr lang="en-US" altLang="zh-CN" baseline="0" dirty="0" err="1" smtClean="0"/>
+              <a:t>Xaxis</a:t>
+            </a:r>
+            <a:r>
+              <a:rPr lang="en-US" altLang="zh-CN" baseline="0" dirty="0" smtClean="0"/>
+              <a:t> here is ratio and </a:t>
+            </a:r>
+            <a:r>
+              <a:rPr lang="en-US" altLang="zh-CN" baseline="0" dirty="0" err="1" smtClean="0"/>
+              <a:t>yaxis</a:t>
+            </a:r>
+            <a:r>
+              <a:rPr lang="en-US" altLang="zh-CN" baseline="0" dirty="0" smtClean="0"/>
+              <a:t> is actual attributes. If the bar directs to left , it shows a negative correlation. The longer the bar is , the larger the ratio is. To make comparison between selected time ranges and full dataset, I plot them as grouped </a:t>
             </a:r>
             <a:r>
               <a:rPr lang="en-US" altLang="zh-CN" baseline="0" dirty="0" err="1" smtClean="0"/>
@@ -4232,30 +4404,6 @@
             </a:r>
             <a:r>
               <a:rPr lang="en-US" altLang="zh-CN" baseline="0" dirty="0" smtClean="0"/>
-              <a:t> to show and compare the ratio of actual attributes count in principle component analysis result. </a:t>
-            </a:r>
-            <a:r>
-              <a:rPr lang="en-US" altLang="zh-CN" baseline="0" dirty="0" err="1" smtClean="0"/>
-              <a:t>Xaxis</a:t>
-            </a:r>
-            <a:r>
-              <a:rPr lang="en-US" altLang="zh-CN" baseline="0" dirty="0" smtClean="0"/>
-              <a:t> here is ratio and </a:t>
-            </a:r>
-            <a:r>
-              <a:rPr lang="en-US" altLang="zh-CN" baseline="0" dirty="0" err="1" smtClean="0"/>
-              <a:t>yaxis</a:t>
-            </a:r>
-            <a:r>
-              <a:rPr lang="en-US" altLang="zh-CN" baseline="0" dirty="0" smtClean="0"/>
-              <a:t> is actual attributes. If the bar directs to left , it shows a negative correlation. The longer the bar is , the larger the ratio is. To make comparison between selected time ranges and full dataset, I plot them as grouped </a:t>
-            </a:r>
-            <a:r>
-              <a:rPr lang="en-US" altLang="zh-CN" baseline="0" dirty="0" err="1" smtClean="0"/>
-              <a:t>barchart</a:t>
-            </a:r>
-            <a:r>
-              <a:rPr lang="en-US" altLang="zh-CN" baseline="0" dirty="0" smtClean="0"/>
               <a:t>. To make the plot looks simple, I take advantage of the </a:t>
             </a:r>
             <a:r>
@@ -4264,7 +4412,15 @@
             </a:r>
             <a:r>
               <a:rPr lang="en-US" altLang="zh-CN" baseline="0" dirty="0" smtClean="0"/>
-              <a:t> library, user can select on the legend to determine which ranges to show. Comparing ratio of actual attributes can make people observe the change in principle components better.  </a:t>
+              <a:t> library, user can select on the legend to determine which ranges to show. Comparing ratio of actual attributes </a:t>
+            </a:r>
+            <a:r>
+              <a:rPr lang="en-US" altLang="zh-CN" baseline="0" dirty="0" smtClean="0"/>
+              <a:t>allows people to observe </a:t>
+            </a:r>
+            <a:r>
+              <a:rPr lang="en-US" altLang="zh-CN" baseline="0" dirty="0" smtClean="0"/>
+              <a:t>the change in principle components better.  </a:t>
             </a:r>
             <a:endParaRPr lang="zh-CN" altLang="en-US" dirty="0"/>
           </a:p>
@@ -4297,6 +4453,922 @@
     <p:extLst>
       <p:ext uri="{BB962C8B-B14F-4D97-AF65-F5344CB8AC3E}">
         <p14:creationId xmlns:p14="http://schemas.microsoft.com/office/powerpoint/2010/main" val="1679424314"/>
+      </p:ext>
+    </p:extLst>
+  </p:cSld>
+  <p:clrMapOvr>
+    <a:masterClrMapping/>
+  </p:clrMapOvr>
+</p:notes>
+</file>
+
+<file path=ppt/notesSlides/notesSlide12.xml><?xml version="1.0" encoding="utf-8"?>
+<p:notes xmlns:a="http://schemas.openxmlformats.org/drawingml/2006/main" xmlns:r="http://schemas.openxmlformats.org/officeDocument/2006/relationships" xmlns:p="http://schemas.openxmlformats.org/presentationml/2006/main">
+  <p:cSld>
+    <p:spTree>
+      <p:nvGrpSpPr>
+        <p:cNvPr id="1" name=""/>
+        <p:cNvGrpSpPr/>
+        <p:nvPr/>
+      </p:nvGrpSpPr>
+      <p:grpSpPr>
+        <a:xfrm>
+          <a:off x="0" y="0"/>
+          <a:ext cx="0" cy="0"/>
+          <a:chOff x="0" y="0"/>
+          <a:chExt cx="0" cy="0"/>
+        </a:xfrm>
+      </p:grpSpPr>
+      <p:sp>
+        <p:nvSpPr>
+          <p:cNvPr id="2" name="Slide Image Placeholder 1"/>
+          <p:cNvSpPr>
+            <a:spLocks noGrp="1" noRot="1" noChangeAspect="1"/>
+          </p:cNvSpPr>
+          <p:nvPr>
+            <p:ph type="sldImg"/>
+          </p:nvPr>
+        </p:nvSpPr>
+        <p:spPr/>
+      </p:sp>
+      <p:sp>
+        <p:nvSpPr>
+          <p:cNvPr id="3" name="Notes Placeholder 2"/>
+          <p:cNvSpPr>
+            <a:spLocks noGrp="1"/>
+          </p:cNvSpPr>
+          <p:nvPr>
+            <p:ph type="body" idx="1"/>
+          </p:nvPr>
+        </p:nvSpPr>
+        <p:spPr/>
+        <p:txBody>
+          <a:bodyPr/>
+          <a:lstStyle/>
+          <a:p>
+            <a:r>
+              <a:rPr lang="en-US" altLang="zh-CN" dirty="0" smtClean="0"/>
+              <a:t>We can see at the beginning, </a:t>
+            </a:r>
+            <a:r>
+              <a:rPr lang="en-US" altLang="zh-CN" dirty="0" err="1" smtClean="0"/>
+              <a:t>pmd</a:t>
+            </a:r>
+            <a:r>
+              <a:rPr lang="en-US" altLang="zh-CN" dirty="0" smtClean="0"/>
+              <a:t> shows </a:t>
+            </a:r>
+            <a:r>
+              <a:rPr lang="en-US" altLang="zh-CN" sz="1200" b="0" i="0" kern="1200" dirty="0" smtClean="0">
+                <a:solidFill>
+                  <a:schemeClr val="tx1"/>
+                </a:solidFill>
+                <a:effectLst/>
+                <a:latin typeface="+mn-lt"/>
+                <a:ea typeface="+mn-ea"/>
+                <a:cs typeface="+mn-cs"/>
+              </a:rPr>
+              <a:t>fluctuation and </a:t>
+            </a:r>
+            <a:r>
+              <a:rPr lang="en-US" altLang="zh-CN" dirty="0" smtClean="0"/>
+              <a:t>from</a:t>
+            </a:r>
+            <a:r>
+              <a:rPr lang="en-US" altLang="zh-CN" baseline="0" dirty="0" smtClean="0"/>
+              <a:t> time 9:53 to 10:05, the performance stays steady. And from 10:06, latency tends to decrease until at 10:13, latency stays steady again at a lower value compared with </a:t>
+            </a:r>
+            <a:r>
+              <a:rPr lang="en-US" altLang="zh-CN" baseline="0" dirty="0" smtClean="0"/>
+              <a:t>previous time period. </a:t>
+            </a:r>
+            <a:endParaRPr lang="zh-CN" altLang="en-US" dirty="0"/>
+          </a:p>
+        </p:txBody>
+      </p:sp>
+      <p:sp>
+        <p:nvSpPr>
+          <p:cNvPr id="4" name="Slide Number Placeholder 3"/>
+          <p:cNvSpPr>
+            <a:spLocks noGrp="1"/>
+          </p:cNvSpPr>
+          <p:nvPr>
+            <p:ph type="sldNum" sz="quarter" idx="10"/>
+          </p:nvPr>
+        </p:nvSpPr>
+        <p:spPr/>
+        <p:txBody>
+          <a:bodyPr/>
+          <a:lstStyle/>
+          <a:p>
+            <a:fld id="{11C9F9BA-DAA9-4436-A646-F33D94DB5BA5}" type="slidenum">
+              <a:rPr lang="zh-CN" altLang="en-US" smtClean="0"/>
+              <a:t>14</a:t>
+            </a:fld>
+            <a:endParaRPr lang="zh-CN" altLang="en-US"/>
+          </a:p>
+        </p:txBody>
+      </p:sp>
+    </p:spTree>
+    <p:extLst>
+      <p:ext uri="{BB962C8B-B14F-4D97-AF65-F5344CB8AC3E}">
+        <p14:creationId xmlns:p14="http://schemas.microsoft.com/office/powerpoint/2010/main" val="3443595881"/>
+      </p:ext>
+    </p:extLst>
+  </p:cSld>
+  <p:clrMapOvr>
+    <a:masterClrMapping/>
+  </p:clrMapOvr>
+</p:notes>
+</file>
+
+<file path=ppt/notesSlides/notesSlide13.xml><?xml version="1.0" encoding="utf-8"?>
+<p:notes xmlns:a="http://schemas.openxmlformats.org/drawingml/2006/main" xmlns:r="http://schemas.openxmlformats.org/officeDocument/2006/relationships" xmlns:p="http://schemas.openxmlformats.org/presentationml/2006/main">
+  <p:cSld>
+    <p:spTree>
+      <p:nvGrpSpPr>
+        <p:cNvPr id="1" name=""/>
+        <p:cNvGrpSpPr/>
+        <p:nvPr/>
+      </p:nvGrpSpPr>
+      <p:grpSpPr>
+        <a:xfrm>
+          <a:off x="0" y="0"/>
+          <a:ext cx="0" cy="0"/>
+          <a:chOff x="0" y="0"/>
+          <a:chExt cx="0" cy="0"/>
+        </a:xfrm>
+      </p:grpSpPr>
+      <p:sp>
+        <p:nvSpPr>
+          <p:cNvPr id="2" name="Slide Image Placeholder 1"/>
+          <p:cNvSpPr>
+            <a:spLocks noGrp="1" noRot="1" noChangeAspect="1"/>
+          </p:cNvSpPr>
+          <p:nvPr>
+            <p:ph type="sldImg"/>
+          </p:nvPr>
+        </p:nvSpPr>
+        <p:spPr/>
+      </p:sp>
+      <p:sp>
+        <p:nvSpPr>
+          <p:cNvPr id="3" name="Notes Placeholder 2"/>
+          <p:cNvSpPr>
+            <a:spLocks noGrp="1"/>
+          </p:cNvSpPr>
+          <p:nvPr>
+            <p:ph type="body" idx="1"/>
+          </p:nvPr>
+        </p:nvSpPr>
+        <p:spPr/>
+        <p:txBody>
+          <a:bodyPr/>
+          <a:lstStyle/>
+          <a:p>
+            <a:r>
+              <a:rPr lang="en-US" altLang="zh-CN" dirty="0" smtClean="0"/>
+              <a:t>For this full dataset</a:t>
+            </a:r>
+            <a:r>
+              <a:rPr lang="en-US" altLang="zh-CN" baseline="0" dirty="0" smtClean="0"/>
+              <a:t> we can see </a:t>
+            </a:r>
+            <a:r>
+              <a:rPr lang="en-US" altLang="zh-CN" sz="1200" b="0" i="0" kern="1200" dirty="0" smtClean="0">
+                <a:solidFill>
+                  <a:schemeClr val="tx1"/>
+                </a:solidFill>
+                <a:effectLst/>
+                <a:latin typeface="+mn-lt"/>
+                <a:ea typeface="+mn-ea"/>
+                <a:cs typeface="+mn-cs"/>
+              </a:rPr>
+              <a:t>there should be a strong</a:t>
+            </a:r>
+            <a:r>
+              <a:rPr lang="en-US" altLang="zh-CN" sz="1200" b="0" i="0" kern="1200" baseline="0" dirty="0" smtClean="0">
+                <a:solidFill>
+                  <a:schemeClr val="tx1"/>
+                </a:solidFill>
+                <a:effectLst/>
+                <a:latin typeface="+mn-lt"/>
+                <a:ea typeface="+mn-ea"/>
+                <a:cs typeface="+mn-cs"/>
+              </a:rPr>
+              <a:t> </a:t>
+            </a:r>
+            <a:r>
+              <a:rPr lang="en-US" altLang="zh-CN" sz="1200" b="0" i="0" kern="1200" dirty="0" smtClean="0">
+                <a:solidFill>
+                  <a:schemeClr val="tx1"/>
+                </a:solidFill>
+                <a:effectLst/>
+                <a:latin typeface="+mn-lt"/>
+                <a:ea typeface="+mn-ea"/>
+                <a:cs typeface="+mn-cs"/>
+              </a:rPr>
+              <a:t>positive correlation between </a:t>
+            </a:r>
+            <a:r>
+              <a:rPr lang="en-US" altLang="zh-CN" sz="1200" b="0" i="0" kern="1200" dirty="0" err="1" smtClean="0">
+                <a:solidFill>
+                  <a:schemeClr val="tx1"/>
+                </a:solidFill>
+                <a:effectLst/>
+                <a:latin typeface="+mn-lt"/>
+                <a:ea typeface="+mn-ea"/>
+                <a:cs typeface="+mn-cs"/>
+              </a:rPr>
+              <a:t>cpu</a:t>
+            </a:r>
+            <a:r>
+              <a:rPr lang="en-US" altLang="zh-CN" sz="1200" b="0" i="0" kern="1200" dirty="0" smtClean="0">
+                <a:solidFill>
+                  <a:schemeClr val="tx1"/>
+                </a:solidFill>
+                <a:effectLst/>
+                <a:latin typeface="+mn-lt"/>
+                <a:ea typeface="+mn-ea"/>
+                <a:cs typeface="+mn-cs"/>
+              </a:rPr>
+              <a:t> percent and bandwidth, network and bandwidth, and </a:t>
+            </a:r>
+            <a:r>
+              <a:rPr lang="en-US" altLang="zh-CN" sz="1200" b="0" i="0" kern="1200" dirty="0" err="1" smtClean="0">
+                <a:solidFill>
+                  <a:schemeClr val="tx1"/>
+                </a:solidFill>
+                <a:effectLst/>
+                <a:latin typeface="+mn-lt"/>
+                <a:ea typeface="+mn-ea"/>
+                <a:cs typeface="+mn-cs"/>
+              </a:rPr>
+              <a:t>cpu</a:t>
+            </a:r>
+            <a:r>
+              <a:rPr lang="en-US" altLang="zh-CN" sz="1200" b="0" i="0" kern="1200" dirty="0" smtClean="0">
+                <a:solidFill>
+                  <a:schemeClr val="tx1"/>
+                </a:solidFill>
+                <a:effectLst/>
+                <a:latin typeface="+mn-lt"/>
+                <a:ea typeface="+mn-ea"/>
+                <a:cs typeface="+mn-cs"/>
+              </a:rPr>
+              <a:t> percent and network. </a:t>
+            </a:r>
+          </a:p>
+          <a:p>
+            <a:r>
+              <a:rPr lang="en-US" altLang="zh-CN" sz="1200" b="0" i="0" kern="1200" dirty="0" smtClean="0">
+                <a:solidFill>
+                  <a:schemeClr val="tx1"/>
+                </a:solidFill>
+                <a:effectLst/>
+                <a:latin typeface="+mn-lt"/>
+                <a:ea typeface="+mn-ea"/>
+                <a:cs typeface="+mn-cs"/>
+              </a:rPr>
+              <a:t>While there</a:t>
+            </a:r>
+            <a:r>
+              <a:rPr lang="en-US" altLang="zh-CN" sz="1200" b="0" i="0" kern="1200" baseline="0" dirty="0" smtClean="0">
+                <a:solidFill>
+                  <a:schemeClr val="tx1"/>
+                </a:solidFill>
+                <a:effectLst/>
+                <a:latin typeface="+mn-lt"/>
+                <a:ea typeface="+mn-ea"/>
+                <a:cs typeface="+mn-cs"/>
+              </a:rPr>
+              <a:t> is negative </a:t>
+            </a:r>
+            <a:r>
+              <a:rPr lang="en-US" altLang="zh-CN" sz="1200" b="0" i="0" kern="1200" dirty="0" smtClean="0">
+                <a:solidFill>
+                  <a:schemeClr val="tx1"/>
+                </a:solidFill>
+                <a:effectLst/>
+                <a:latin typeface="+mn-lt"/>
+                <a:ea typeface="+mn-ea"/>
+                <a:cs typeface="+mn-cs"/>
+              </a:rPr>
+              <a:t>correlation </a:t>
+            </a:r>
+            <a:r>
+              <a:rPr lang="en-US" altLang="zh-CN" sz="1200" b="0" i="0" kern="1200" baseline="0" dirty="0" smtClean="0">
+                <a:solidFill>
+                  <a:schemeClr val="tx1"/>
+                </a:solidFill>
+                <a:effectLst/>
+                <a:latin typeface="+mn-lt"/>
+                <a:ea typeface="+mn-ea"/>
+                <a:cs typeface="+mn-cs"/>
+              </a:rPr>
+              <a:t>between context switch and memory. </a:t>
+            </a:r>
+            <a:endParaRPr lang="zh-CN" altLang="en-US" dirty="0"/>
+          </a:p>
+        </p:txBody>
+      </p:sp>
+      <p:sp>
+        <p:nvSpPr>
+          <p:cNvPr id="4" name="Slide Number Placeholder 3"/>
+          <p:cNvSpPr>
+            <a:spLocks noGrp="1"/>
+          </p:cNvSpPr>
+          <p:nvPr>
+            <p:ph type="sldNum" sz="quarter" idx="10"/>
+          </p:nvPr>
+        </p:nvSpPr>
+        <p:spPr/>
+        <p:txBody>
+          <a:bodyPr/>
+          <a:lstStyle/>
+          <a:p>
+            <a:fld id="{11C9F9BA-DAA9-4436-A646-F33D94DB5BA5}" type="slidenum">
+              <a:rPr lang="zh-CN" altLang="en-US" smtClean="0"/>
+              <a:t>15</a:t>
+            </a:fld>
+            <a:endParaRPr lang="zh-CN" altLang="en-US"/>
+          </a:p>
+        </p:txBody>
+      </p:sp>
+    </p:spTree>
+    <p:extLst>
+      <p:ext uri="{BB962C8B-B14F-4D97-AF65-F5344CB8AC3E}">
+        <p14:creationId xmlns:p14="http://schemas.microsoft.com/office/powerpoint/2010/main" val="3218097910"/>
+      </p:ext>
+    </p:extLst>
+  </p:cSld>
+  <p:clrMapOvr>
+    <a:masterClrMapping/>
+  </p:clrMapOvr>
+</p:notes>
+</file>
+
+<file path=ppt/notesSlides/notesSlide14.xml><?xml version="1.0" encoding="utf-8"?>
+<p:notes xmlns:a="http://schemas.openxmlformats.org/drawingml/2006/main" xmlns:r="http://schemas.openxmlformats.org/officeDocument/2006/relationships" xmlns:p="http://schemas.openxmlformats.org/presentationml/2006/main">
+  <p:cSld>
+    <p:spTree>
+      <p:nvGrpSpPr>
+        <p:cNvPr id="1" name=""/>
+        <p:cNvGrpSpPr/>
+        <p:nvPr/>
+      </p:nvGrpSpPr>
+      <p:grpSpPr>
+        <a:xfrm>
+          <a:off x="0" y="0"/>
+          <a:ext cx="0" cy="0"/>
+          <a:chOff x="0" y="0"/>
+          <a:chExt cx="0" cy="0"/>
+        </a:xfrm>
+      </p:grpSpPr>
+      <p:sp>
+        <p:nvSpPr>
+          <p:cNvPr id="2" name="Slide Image Placeholder 1"/>
+          <p:cNvSpPr>
+            <a:spLocks noGrp="1" noRot="1" noChangeAspect="1"/>
+          </p:cNvSpPr>
+          <p:nvPr>
+            <p:ph type="sldImg"/>
+          </p:nvPr>
+        </p:nvSpPr>
+        <p:spPr/>
+      </p:sp>
+      <p:sp>
+        <p:nvSpPr>
+          <p:cNvPr id="3" name="Notes Placeholder 2"/>
+          <p:cNvSpPr>
+            <a:spLocks noGrp="1"/>
+          </p:cNvSpPr>
+          <p:nvPr>
+            <p:ph type="body" idx="1"/>
+          </p:nvPr>
+        </p:nvSpPr>
+        <p:spPr/>
+        <p:txBody>
+          <a:bodyPr/>
+          <a:lstStyle/>
+          <a:p>
+            <a:r>
+              <a:rPr lang="en-US" altLang="zh-CN" dirty="0" smtClean="0"/>
+              <a:t>We can see,</a:t>
+            </a:r>
+            <a:r>
+              <a:rPr lang="en-US" altLang="zh-CN" baseline="0" dirty="0" smtClean="0"/>
+              <a:t> if  the color encoding is assigned to latency, data view shows that, high latency record is more possible to have high bandwidth, memory bandwidth, high </a:t>
+            </a:r>
+            <a:r>
+              <a:rPr lang="en-US" altLang="zh-CN" baseline="0" dirty="0" err="1" smtClean="0"/>
+              <a:t>cpu</a:t>
+            </a:r>
+            <a:r>
+              <a:rPr lang="en-US" altLang="zh-CN" baseline="0" dirty="0" smtClean="0"/>
+              <a:t> percent and low </a:t>
+            </a:r>
+            <a:r>
+              <a:rPr lang="en-US" altLang="zh-CN" baseline="0" dirty="0" err="1" smtClean="0"/>
+              <a:t>io</a:t>
+            </a:r>
+            <a:r>
+              <a:rPr lang="en-US" altLang="zh-CN" baseline="0" dirty="0" smtClean="0"/>
+              <a:t>, low memory. If we look back to the correlation view, the correlation view shows the same thing.  Then we look at the eigenvector view and projection view, they shows that, pc1 occupies 67% and data items with high latency are projected positive values at pc1. We can see from components view that in pc1, the proportions of network, </a:t>
+            </a:r>
+            <a:r>
+              <a:rPr lang="en-US" altLang="zh-CN" baseline="0" dirty="0" err="1" smtClean="0"/>
+              <a:t>cpu</a:t>
+            </a:r>
+            <a:r>
+              <a:rPr lang="en-US" altLang="zh-CN" baseline="0" dirty="0" smtClean="0"/>
+              <a:t>, switch, memory bandwidth, system bandwidth are almost the same and they count for the majority of the components. This can also be inferred from the data view. Because most of data item seems to have high </a:t>
+            </a:r>
+            <a:r>
+              <a:rPr lang="en-US" altLang="zh-CN" baseline="0" dirty="0" smtClean="0"/>
+              <a:t>network, </a:t>
+            </a:r>
+            <a:r>
+              <a:rPr lang="en-US" altLang="zh-CN" baseline="0" dirty="0" err="1" smtClean="0"/>
+              <a:t>cpu</a:t>
+            </a:r>
+            <a:r>
+              <a:rPr lang="en-US" altLang="zh-CN" baseline="0" dirty="0" smtClean="0"/>
+              <a:t>, switch, memory bandwidth, system bandwidth values. Memory has a largest proportion in pc2 and you can see the data distribution in the second coordinator in eigenvector view appears a narrow range, and high memory value in data view. So all these plots conveys the same meanings but focus on different aspect to give the clear insight of data.</a:t>
+            </a:r>
+            <a:endParaRPr lang="zh-CN" altLang="en-US" dirty="0"/>
+          </a:p>
+        </p:txBody>
+      </p:sp>
+      <p:sp>
+        <p:nvSpPr>
+          <p:cNvPr id="4" name="Slide Number Placeholder 3"/>
+          <p:cNvSpPr>
+            <a:spLocks noGrp="1"/>
+          </p:cNvSpPr>
+          <p:nvPr>
+            <p:ph type="sldNum" sz="quarter" idx="10"/>
+          </p:nvPr>
+        </p:nvSpPr>
+        <p:spPr/>
+        <p:txBody>
+          <a:bodyPr/>
+          <a:lstStyle/>
+          <a:p>
+            <a:fld id="{11C9F9BA-DAA9-4436-A646-F33D94DB5BA5}" type="slidenum">
+              <a:rPr lang="zh-CN" altLang="en-US" smtClean="0"/>
+              <a:t>16</a:t>
+            </a:fld>
+            <a:endParaRPr lang="zh-CN" altLang="en-US"/>
+          </a:p>
+        </p:txBody>
+      </p:sp>
+    </p:spTree>
+    <p:extLst>
+      <p:ext uri="{BB962C8B-B14F-4D97-AF65-F5344CB8AC3E}">
+        <p14:creationId xmlns:p14="http://schemas.microsoft.com/office/powerpoint/2010/main" val="1700737644"/>
+      </p:ext>
+    </p:extLst>
+  </p:cSld>
+  <p:clrMapOvr>
+    <a:masterClrMapping/>
+  </p:clrMapOvr>
+</p:notes>
+</file>
+
+<file path=ppt/notesSlides/notesSlide15.xml><?xml version="1.0" encoding="utf-8"?>
+<p:notes xmlns:a="http://schemas.openxmlformats.org/drawingml/2006/main" xmlns:r="http://schemas.openxmlformats.org/officeDocument/2006/relationships" xmlns:p="http://schemas.openxmlformats.org/presentationml/2006/main">
+  <p:cSld>
+    <p:spTree>
+      <p:nvGrpSpPr>
+        <p:cNvPr id="1" name=""/>
+        <p:cNvGrpSpPr/>
+        <p:nvPr/>
+      </p:nvGrpSpPr>
+      <p:grpSpPr>
+        <a:xfrm>
+          <a:off x="0" y="0"/>
+          <a:ext cx="0" cy="0"/>
+          <a:chOff x="0" y="0"/>
+          <a:chExt cx="0" cy="0"/>
+        </a:xfrm>
+      </p:grpSpPr>
+      <p:sp>
+        <p:nvSpPr>
+          <p:cNvPr id="2" name="Slide Image Placeholder 1"/>
+          <p:cNvSpPr>
+            <a:spLocks noGrp="1" noRot="1" noChangeAspect="1"/>
+          </p:cNvSpPr>
+          <p:nvPr>
+            <p:ph type="sldImg"/>
+          </p:nvPr>
+        </p:nvSpPr>
+        <p:spPr/>
+      </p:sp>
+      <p:sp>
+        <p:nvSpPr>
+          <p:cNvPr id="3" name="Notes Placeholder 2"/>
+          <p:cNvSpPr>
+            <a:spLocks noGrp="1"/>
+          </p:cNvSpPr>
+          <p:nvPr>
+            <p:ph type="body" idx="1"/>
+          </p:nvPr>
+        </p:nvSpPr>
+        <p:spPr/>
+        <p:txBody>
+          <a:bodyPr/>
+          <a:lstStyle/>
+          <a:p>
+            <a:r>
+              <a:rPr lang="en-US" altLang="zh-CN" dirty="0" smtClean="0"/>
+              <a:t>We can see these is an outlier line</a:t>
+            </a:r>
+            <a:r>
+              <a:rPr lang="en-US" altLang="zh-CN" baseline="0" dirty="0" smtClean="0"/>
+              <a:t> in the parallel coordinator view so we click on it to see what happens. We can see this data item has very low value in each system metrics except </a:t>
+            </a:r>
+            <a:r>
+              <a:rPr lang="en-US" altLang="zh-CN" baseline="0" dirty="0" err="1" smtClean="0"/>
+              <a:t>io</a:t>
+            </a:r>
+            <a:r>
+              <a:rPr lang="en-US" altLang="zh-CN" baseline="0" dirty="0" smtClean="0"/>
+              <a:t> and has a high latency. The PCA projection shows it is also an isolated point. We can see this data item is actually the first data of the full dataset. And that really makes sense because </a:t>
+            </a:r>
+            <a:r>
+              <a:rPr lang="en-US" altLang="zh-CN" sz="1200" b="0" i="0" kern="1200" dirty="0" smtClean="0">
+                <a:solidFill>
+                  <a:schemeClr val="tx1"/>
+                </a:solidFill>
+                <a:effectLst/>
+                <a:latin typeface="+mn-lt"/>
+                <a:ea typeface="+mn-ea"/>
+                <a:cs typeface="+mn-cs"/>
+              </a:rPr>
+              <a:t>the initial pattern for first few minutes could be potentially off,</a:t>
+            </a:r>
+            <a:r>
+              <a:rPr lang="en-US" altLang="zh-CN" sz="1200" b="0" i="0" kern="1200" baseline="0" dirty="0" smtClean="0">
+                <a:solidFill>
+                  <a:schemeClr val="tx1"/>
+                </a:solidFill>
+                <a:effectLst/>
+                <a:latin typeface="+mn-lt"/>
+                <a:ea typeface="+mn-ea"/>
+                <a:cs typeface="+mn-cs"/>
+              </a:rPr>
+              <a:t> </a:t>
+            </a:r>
+            <a:r>
+              <a:rPr lang="en-US" altLang="zh-CN" sz="1200" b="0" i="0" kern="1200" dirty="0" smtClean="0">
+                <a:solidFill>
+                  <a:schemeClr val="tx1"/>
+                </a:solidFill>
+                <a:effectLst/>
+                <a:latin typeface="+mn-lt"/>
+                <a:ea typeface="+mn-ea"/>
+                <a:cs typeface="+mn-cs"/>
+              </a:rPr>
+              <a:t>due to the uneven start of the target application.</a:t>
+            </a:r>
+          </a:p>
+          <a:p>
+            <a:endParaRPr lang="zh-CN" altLang="en-US" dirty="0"/>
+          </a:p>
+        </p:txBody>
+      </p:sp>
+      <p:sp>
+        <p:nvSpPr>
+          <p:cNvPr id="4" name="Slide Number Placeholder 3"/>
+          <p:cNvSpPr>
+            <a:spLocks noGrp="1"/>
+          </p:cNvSpPr>
+          <p:nvPr>
+            <p:ph type="sldNum" sz="quarter" idx="10"/>
+          </p:nvPr>
+        </p:nvSpPr>
+        <p:spPr/>
+        <p:txBody>
+          <a:bodyPr/>
+          <a:lstStyle/>
+          <a:p>
+            <a:fld id="{11C9F9BA-DAA9-4436-A646-F33D94DB5BA5}" type="slidenum">
+              <a:rPr lang="zh-CN" altLang="en-US" smtClean="0"/>
+              <a:t>17</a:t>
+            </a:fld>
+            <a:endParaRPr lang="zh-CN" altLang="en-US"/>
+          </a:p>
+        </p:txBody>
+      </p:sp>
+    </p:spTree>
+    <p:extLst>
+      <p:ext uri="{BB962C8B-B14F-4D97-AF65-F5344CB8AC3E}">
+        <p14:creationId xmlns:p14="http://schemas.microsoft.com/office/powerpoint/2010/main" val="3780574975"/>
+      </p:ext>
+    </p:extLst>
+  </p:cSld>
+  <p:clrMapOvr>
+    <a:masterClrMapping/>
+  </p:clrMapOvr>
+</p:notes>
+</file>
+
+<file path=ppt/notesSlides/notesSlide16.xml><?xml version="1.0" encoding="utf-8"?>
+<p:notes xmlns:a="http://schemas.openxmlformats.org/drawingml/2006/main" xmlns:r="http://schemas.openxmlformats.org/officeDocument/2006/relationships" xmlns:p="http://schemas.openxmlformats.org/presentationml/2006/main">
+  <p:cSld>
+    <p:spTree>
+      <p:nvGrpSpPr>
+        <p:cNvPr id="1" name=""/>
+        <p:cNvGrpSpPr/>
+        <p:nvPr/>
+      </p:nvGrpSpPr>
+      <p:grpSpPr>
+        <a:xfrm>
+          <a:off x="0" y="0"/>
+          <a:ext cx="0" cy="0"/>
+          <a:chOff x="0" y="0"/>
+          <a:chExt cx="0" cy="0"/>
+        </a:xfrm>
+      </p:grpSpPr>
+      <p:sp>
+        <p:nvSpPr>
+          <p:cNvPr id="2" name="Slide Image Placeholder 1"/>
+          <p:cNvSpPr>
+            <a:spLocks noGrp="1" noRot="1" noChangeAspect="1"/>
+          </p:cNvSpPr>
+          <p:nvPr>
+            <p:ph type="sldImg"/>
+          </p:nvPr>
+        </p:nvSpPr>
+        <p:spPr/>
+      </p:sp>
+      <p:sp>
+        <p:nvSpPr>
+          <p:cNvPr id="3" name="Notes Placeholder 2"/>
+          <p:cNvSpPr>
+            <a:spLocks noGrp="1"/>
+          </p:cNvSpPr>
+          <p:nvPr>
+            <p:ph type="body" idx="1"/>
+          </p:nvPr>
+        </p:nvSpPr>
+        <p:spPr/>
+        <p:txBody>
+          <a:bodyPr/>
+          <a:lstStyle/>
+          <a:p>
+            <a:r>
+              <a:rPr lang="en-US" altLang="zh-CN" dirty="0" smtClean="0"/>
+              <a:t>So, we can ignore the initial time period.</a:t>
+            </a:r>
+            <a:r>
+              <a:rPr lang="en-US" altLang="zh-CN" baseline="0" dirty="0" smtClean="0"/>
+              <a:t> Let’s do comparison on these two time period. The first shows high latency and the lower latency. </a:t>
+            </a:r>
+            <a:endParaRPr lang="zh-CN" altLang="en-US" dirty="0"/>
+          </a:p>
+        </p:txBody>
+      </p:sp>
+      <p:sp>
+        <p:nvSpPr>
+          <p:cNvPr id="4" name="Slide Number Placeholder 3"/>
+          <p:cNvSpPr>
+            <a:spLocks noGrp="1"/>
+          </p:cNvSpPr>
+          <p:nvPr>
+            <p:ph type="sldNum" sz="quarter" idx="10"/>
+          </p:nvPr>
+        </p:nvSpPr>
+        <p:spPr/>
+        <p:txBody>
+          <a:bodyPr/>
+          <a:lstStyle/>
+          <a:p>
+            <a:fld id="{11C9F9BA-DAA9-4436-A646-F33D94DB5BA5}" type="slidenum">
+              <a:rPr lang="zh-CN" altLang="en-US" smtClean="0"/>
+              <a:t>18</a:t>
+            </a:fld>
+            <a:endParaRPr lang="zh-CN" altLang="en-US"/>
+          </a:p>
+        </p:txBody>
+      </p:sp>
+    </p:spTree>
+    <p:extLst>
+      <p:ext uri="{BB962C8B-B14F-4D97-AF65-F5344CB8AC3E}">
+        <p14:creationId xmlns:p14="http://schemas.microsoft.com/office/powerpoint/2010/main" val="3679128411"/>
+      </p:ext>
+    </p:extLst>
+  </p:cSld>
+  <p:clrMapOvr>
+    <a:masterClrMapping/>
+  </p:clrMapOvr>
+</p:notes>
+</file>
+
+<file path=ppt/notesSlides/notesSlide17.xml><?xml version="1.0" encoding="utf-8"?>
+<p:notes xmlns:a="http://schemas.openxmlformats.org/drawingml/2006/main" xmlns:r="http://schemas.openxmlformats.org/officeDocument/2006/relationships" xmlns:p="http://schemas.openxmlformats.org/presentationml/2006/main">
+  <p:cSld>
+    <p:spTree>
+      <p:nvGrpSpPr>
+        <p:cNvPr id="1" name=""/>
+        <p:cNvGrpSpPr/>
+        <p:nvPr/>
+      </p:nvGrpSpPr>
+      <p:grpSpPr>
+        <a:xfrm>
+          <a:off x="0" y="0"/>
+          <a:ext cx="0" cy="0"/>
+          <a:chOff x="0" y="0"/>
+          <a:chExt cx="0" cy="0"/>
+        </a:xfrm>
+      </p:grpSpPr>
+      <p:sp>
+        <p:nvSpPr>
+          <p:cNvPr id="2" name="Slide Image Placeholder 1"/>
+          <p:cNvSpPr>
+            <a:spLocks noGrp="1" noRot="1" noChangeAspect="1"/>
+          </p:cNvSpPr>
+          <p:nvPr>
+            <p:ph type="sldImg"/>
+          </p:nvPr>
+        </p:nvSpPr>
+        <p:spPr/>
+      </p:sp>
+      <p:sp>
+        <p:nvSpPr>
+          <p:cNvPr id="3" name="Notes Placeholder 2"/>
+          <p:cNvSpPr>
+            <a:spLocks noGrp="1"/>
+          </p:cNvSpPr>
+          <p:nvPr>
+            <p:ph type="body" idx="1"/>
+          </p:nvPr>
+        </p:nvSpPr>
+        <p:spPr/>
+        <p:txBody>
+          <a:bodyPr/>
+          <a:lstStyle/>
+          <a:p>
+            <a:pPr marL="0" marR="0" lvl="0" indent="0" algn="l" defTabSz="914400" rtl="0" eaLnBrk="1" fontAlgn="auto" latinLnBrk="0" hangingPunct="1">
+              <a:lnSpc>
+                <a:spcPct val="100000"/>
+              </a:lnSpc>
+              <a:spcBef>
+                <a:spcPts val="0"/>
+              </a:spcBef>
+              <a:spcAft>
+                <a:spcPts val="0"/>
+              </a:spcAft>
+              <a:buClrTx/>
+              <a:buSzTx/>
+              <a:buFontTx/>
+              <a:buNone/>
+              <a:tabLst/>
+              <a:defRPr/>
+            </a:pPr>
+            <a:r>
+              <a:rPr lang="en-US" altLang="zh-CN" dirty="0" smtClean="0"/>
+              <a:t>Here it is. </a:t>
+            </a:r>
+            <a:r>
+              <a:rPr lang="en-US" altLang="zh-CN" baseline="0" dirty="0" smtClean="0"/>
+              <a:t>There are many conclusions can be found here but due to time limit, I may go through some and put the rest into report.</a:t>
+            </a:r>
+            <a:endParaRPr lang="zh-CN" altLang="en-US" dirty="0" smtClean="0"/>
+          </a:p>
+          <a:p>
+            <a:r>
+              <a:rPr lang="en-US" altLang="zh-CN" dirty="0" smtClean="0"/>
+              <a:t>The blue means the first time period with high latency and the red means time period the low latency. We</a:t>
+            </a:r>
+            <a:r>
+              <a:rPr lang="en-US" altLang="zh-CN" baseline="0" dirty="0" smtClean="0"/>
+              <a:t> can see the there is huge difference between the two time intervals in pc1 and actual attributes values. See the data view, High latency shows low memory ,so maybe memory is  a bottleneck for </a:t>
+            </a:r>
+            <a:r>
+              <a:rPr lang="en-US" altLang="zh-CN" baseline="0" dirty="0" err="1" smtClean="0"/>
+              <a:t>pmd</a:t>
+            </a:r>
+            <a:r>
+              <a:rPr lang="en-US" altLang="zh-CN" baseline="0" dirty="0" smtClean="0"/>
+              <a:t> execution. And we can see the pc2 components view proves that.</a:t>
+            </a:r>
+            <a:endParaRPr lang="zh-CN" altLang="en-US" dirty="0"/>
+          </a:p>
+        </p:txBody>
+      </p:sp>
+      <p:sp>
+        <p:nvSpPr>
+          <p:cNvPr id="4" name="Slide Number Placeholder 3"/>
+          <p:cNvSpPr>
+            <a:spLocks noGrp="1"/>
+          </p:cNvSpPr>
+          <p:nvPr>
+            <p:ph type="sldNum" sz="quarter" idx="10"/>
+          </p:nvPr>
+        </p:nvSpPr>
+        <p:spPr/>
+        <p:txBody>
+          <a:bodyPr/>
+          <a:lstStyle/>
+          <a:p>
+            <a:fld id="{11C9F9BA-DAA9-4436-A646-F33D94DB5BA5}" type="slidenum">
+              <a:rPr lang="zh-CN" altLang="en-US" smtClean="0"/>
+              <a:t>19</a:t>
+            </a:fld>
+            <a:endParaRPr lang="zh-CN" altLang="en-US"/>
+          </a:p>
+        </p:txBody>
+      </p:sp>
+    </p:spTree>
+    <p:extLst>
+      <p:ext uri="{BB962C8B-B14F-4D97-AF65-F5344CB8AC3E}">
+        <p14:creationId xmlns:p14="http://schemas.microsoft.com/office/powerpoint/2010/main" val="1698968771"/>
+      </p:ext>
+    </p:extLst>
+  </p:cSld>
+  <p:clrMapOvr>
+    <a:masterClrMapping/>
+  </p:clrMapOvr>
+</p:notes>
+</file>
+
+<file path=ppt/notesSlides/notesSlide18.xml><?xml version="1.0" encoding="utf-8"?>
+<p:notes xmlns:a="http://schemas.openxmlformats.org/drawingml/2006/main" xmlns:r="http://schemas.openxmlformats.org/officeDocument/2006/relationships" xmlns:p="http://schemas.openxmlformats.org/presentationml/2006/main">
+  <p:cSld>
+    <p:spTree>
+      <p:nvGrpSpPr>
+        <p:cNvPr id="1" name=""/>
+        <p:cNvGrpSpPr/>
+        <p:nvPr/>
+      </p:nvGrpSpPr>
+      <p:grpSpPr>
+        <a:xfrm>
+          <a:off x="0" y="0"/>
+          <a:ext cx="0" cy="0"/>
+          <a:chOff x="0" y="0"/>
+          <a:chExt cx="0" cy="0"/>
+        </a:xfrm>
+      </p:grpSpPr>
+      <p:sp>
+        <p:nvSpPr>
+          <p:cNvPr id="2" name="Slide Image Placeholder 1"/>
+          <p:cNvSpPr>
+            <a:spLocks noGrp="1" noRot="1" noChangeAspect="1"/>
+          </p:cNvSpPr>
+          <p:nvPr>
+            <p:ph type="sldImg"/>
+          </p:nvPr>
+        </p:nvSpPr>
+        <p:spPr/>
+      </p:sp>
+      <p:sp>
+        <p:nvSpPr>
+          <p:cNvPr id="3" name="Notes Placeholder 2"/>
+          <p:cNvSpPr>
+            <a:spLocks noGrp="1"/>
+          </p:cNvSpPr>
+          <p:nvPr>
+            <p:ph type="body" idx="1"/>
+          </p:nvPr>
+        </p:nvSpPr>
+        <p:spPr/>
+        <p:txBody>
+          <a:bodyPr/>
+          <a:lstStyle/>
+          <a:p>
+            <a:endParaRPr lang="zh-CN" altLang="en-US" dirty="0"/>
+          </a:p>
+        </p:txBody>
+      </p:sp>
+      <p:sp>
+        <p:nvSpPr>
+          <p:cNvPr id="4" name="Slide Number Placeholder 3"/>
+          <p:cNvSpPr>
+            <a:spLocks noGrp="1"/>
+          </p:cNvSpPr>
+          <p:nvPr>
+            <p:ph type="sldNum" sz="quarter" idx="10"/>
+          </p:nvPr>
+        </p:nvSpPr>
+        <p:spPr/>
+        <p:txBody>
+          <a:bodyPr/>
+          <a:lstStyle/>
+          <a:p>
+            <a:fld id="{11C9F9BA-DAA9-4436-A646-F33D94DB5BA5}" type="slidenum">
+              <a:rPr lang="zh-CN" altLang="en-US" smtClean="0"/>
+              <a:t>20</a:t>
+            </a:fld>
+            <a:endParaRPr lang="zh-CN" altLang="en-US"/>
+          </a:p>
+        </p:txBody>
+      </p:sp>
+    </p:spTree>
+    <p:extLst>
+      <p:ext uri="{BB962C8B-B14F-4D97-AF65-F5344CB8AC3E}">
+        <p14:creationId xmlns:p14="http://schemas.microsoft.com/office/powerpoint/2010/main" val="2545626801"/>
       </p:ext>
     </p:extLst>
   </p:cSld>
@@ -4587,7 +5659,7 @@
                 <a:ea typeface="+mn-ea"/>
                 <a:cs typeface="+mn-cs"/>
               </a:rPr>
-              <a:t> such that the greatest variance by some projection of the data comes to lie on the first </a:t>
+              <a:t> such that the greatest variance by some projection of the data comes to lie on the first principal component , the second greatest variance on the second principal component , and so on</a:t>
             </a:r>
             <a:r>
               <a:rPr lang="en-US" altLang="zh-CN" sz="1200" b="0" i="0" kern="1200" dirty="0" smtClean="0">
@@ -4599,8 +5671,10 @@
                 <a:ea typeface="+mn-ea"/>
                 <a:cs typeface="+mn-cs"/>
               </a:rPr>
-              <a:t>principal component</a:t>
-            </a:r>
+              <a:t>.</a:t>
+            </a:r>
+          </a:p>
+          <a:p>
             <a:r>
               <a:rPr lang="en-US" altLang="zh-CN" sz="1200" b="0" i="0" kern="1200" dirty="0" smtClean="0">
                 <a:solidFill>
@@ -4611,8 +5685,10 @@
                 <a:ea typeface="+mn-ea"/>
                 <a:cs typeface="+mn-cs"/>
               </a:rPr>
-              <a:t> , the second greatest variance on the second </a:t>
-            </a:r>
+              <a:t>How does PCA work -</a:t>
+            </a:r>
+          </a:p>
+          <a:p>
             <a:r>
               <a:rPr lang="en-US" altLang="zh-CN" sz="1200" b="0" i="0" kern="1200" dirty="0" smtClean="0">
                 <a:solidFill>
@@ -4623,7 +5699,19 @@
                 <a:ea typeface="+mn-ea"/>
                 <a:cs typeface="+mn-cs"/>
               </a:rPr>
-              <a:t>principal component </a:t>
+              <a:t>Calculate the covariance matrix </a:t>
+            </a:r>
+            <a:r>
+              <a:rPr lang="en-US" altLang="zh-CN" sz="1200" b="0" i="1" kern="1200" dirty="0" smtClean="0">
+                <a:solidFill>
+                  <a:schemeClr val="tx1"/>
+                </a:solidFill>
+                <a:effectLst/>
+                <a:latin typeface="+mn-lt"/>
+                <a:ea typeface="+mn-ea"/>
+                <a:cs typeface="+mn-cs"/>
+              </a:rPr>
+              <a:t>X</a:t>
             </a:r>
             <a:r>
               <a:rPr lang="en-US" altLang="zh-CN" sz="1200" b="0" i="0" kern="1200" dirty="0" smtClean="0">
@@ -4635,8 +5723,186 @@
                 <a:ea typeface="+mn-ea"/>
                 <a:cs typeface="+mn-cs"/>
               </a:rPr>
-              <a:t>, and so on.</a:t>
-            </a:r>
+              <a:t> of data points.</a:t>
+            </a:r>
+          </a:p>
+          <a:p>
+            <a:r>
+              <a:rPr lang="en-US" altLang="zh-CN" sz="1200" b="0" i="0" kern="1200" dirty="0" smtClean="0">
+                <a:solidFill>
+                  <a:schemeClr val="tx1"/>
+                </a:solidFill>
+                <a:effectLst/>
+                <a:latin typeface="+mn-lt"/>
+                <a:ea typeface="+mn-ea"/>
+                <a:cs typeface="+mn-cs"/>
+              </a:rPr>
+              <a:t>Calculate </a:t>
+            </a:r>
+            <a:r>
+              <a:rPr lang="en-US" altLang="zh-CN" sz="1200" b="0" i="0" kern="1200" dirty="0" err="1" smtClean="0">
+                <a:solidFill>
+                  <a:schemeClr val="tx1"/>
+                </a:solidFill>
+                <a:effectLst/>
+                <a:latin typeface="+mn-lt"/>
+                <a:ea typeface="+mn-ea"/>
+                <a:cs typeface="+mn-cs"/>
+              </a:rPr>
+              <a:t>eigen</a:t>
+            </a:r>
+            <a:r>
+              <a:rPr lang="en-US" altLang="zh-CN" sz="1200" b="0" i="0" kern="1200" dirty="0" smtClean="0">
+                <a:solidFill>
+                  <a:schemeClr val="tx1"/>
+                </a:solidFill>
+                <a:effectLst/>
+                <a:latin typeface="+mn-lt"/>
+                <a:ea typeface="+mn-ea"/>
+                <a:cs typeface="+mn-cs"/>
+              </a:rPr>
+              <a:t> vectors and corresponding </a:t>
+            </a:r>
+            <a:r>
+              <a:rPr lang="en-US" altLang="zh-CN" sz="1200" b="0" i="0" kern="1200" dirty="0" err="1" smtClean="0">
+                <a:solidFill>
+                  <a:schemeClr val="tx1"/>
+                </a:solidFill>
+                <a:effectLst/>
+                <a:latin typeface="+mn-lt"/>
+                <a:ea typeface="+mn-ea"/>
+                <a:cs typeface="+mn-cs"/>
+              </a:rPr>
+              <a:t>eigen</a:t>
+            </a:r>
+            <a:r>
+              <a:rPr lang="en-US" altLang="zh-CN" sz="1200" b="0" i="0" kern="1200" dirty="0" smtClean="0">
+                <a:solidFill>
+                  <a:schemeClr val="tx1"/>
+                </a:solidFill>
+                <a:effectLst/>
+                <a:latin typeface="+mn-lt"/>
+                <a:ea typeface="+mn-ea"/>
+                <a:cs typeface="+mn-cs"/>
+              </a:rPr>
+              <a:t> values.</a:t>
+            </a:r>
+          </a:p>
+          <a:p>
+            <a:r>
+              <a:rPr lang="en-US" altLang="zh-CN" sz="1200" b="0" i="0" kern="1200" dirty="0" smtClean="0">
+                <a:solidFill>
+                  <a:schemeClr val="tx1"/>
+                </a:solidFill>
+                <a:effectLst/>
+                <a:latin typeface="+mn-lt"/>
+                <a:ea typeface="+mn-ea"/>
+                <a:cs typeface="+mn-cs"/>
+              </a:rPr>
+              <a:t>Sort the </a:t>
+            </a:r>
+            <a:r>
+              <a:rPr lang="en-US" altLang="zh-CN" sz="1200" b="0" i="0" kern="1200" dirty="0" err="1" smtClean="0">
+                <a:solidFill>
+                  <a:schemeClr val="tx1"/>
+                </a:solidFill>
+                <a:effectLst/>
+                <a:latin typeface="+mn-lt"/>
+                <a:ea typeface="+mn-ea"/>
+                <a:cs typeface="+mn-cs"/>
+              </a:rPr>
+              <a:t>eigen</a:t>
+            </a:r>
+            <a:r>
+              <a:rPr lang="en-US" altLang="zh-CN" sz="1200" b="0" i="0" kern="1200" dirty="0" smtClean="0">
+                <a:solidFill>
+                  <a:schemeClr val="tx1"/>
+                </a:solidFill>
+                <a:effectLst/>
+                <a:latin typeface="+mn-lt"/>
+                <a:ea typeface="+mn-ea"/>
+                <a:cs typeface="+mn-cs"/>
+              </a:rPr>
+              <a:t> vectors according to their </a:t>
+            </a:r>
+            <a:r>
+              <a:rPr lang="en-US" altLang="zh-CN" sz="1200" b="0" i="0" kern="1200" dirty="0" err="1" smtClean="0">
+                <a:solidFill>
+                  <a:schemeClr val="tx1"/>
+                </a:solidFill>
+                <a:effectLst/>
+                <a:latin typeface="+mn-lt"/>
+                <a:ea typeface="+mn-ea"/>
+                <a:cs typeface="+mn-cs"/>
+              </a:rPr>
+              <a:t>eigen</a:t>
+            </a:r>
+            <a:r>
+              <a:rPr lang="en-US" altLang="zh-CN" sz="1200" b="0" i="0" kern="1200" dirty="0" smtClean="0">
+                <a:solidFill>
+                  <a:schemeClr val="tx1"/>
+                </a:solidFill>
+                <a:effectLst/>
+                <a:latin typeface="+mn-lt"/>
+                <a:ea typeface="+mn-ea"/>
+                <a:cs typeface="+mn-cs"/>
+              </a:rPr>
+              <a:t> values in decreasing order.</a:t>
+            </a:r>
+          </a:p>
+          <a:p>
+            <a:r>
+              <a:rPr lang="en-US" altLang="zh-CN" sz="1200" b="0" i="0" kern="1200" dirty="0" smtClean="0">
+                <a:solidFill>
+                  <a:schemeClr val="tx1"/>
+                </a:solidFill>
+                <a:effectLst/>
+                <a:latin typeface="+mn-lt"/>
+                <a:ea typeface="+mn-ea"/>
+                <a:cs typeface="+mn-cs"/>
+              </a:rPr>
+              <a:t>Choose first k </a:t>
+            </a:r>
+            <a:r>
+              <a:rPr lang="en-US" altLang="zh-CN" sz="1200" b="0" i="0" kern="1200" dirty="0" err="1" smtClean="0">
+                <a:solidFill>
+                  <a:schemeClr val="tx1"/>
+                </a:solidFill>
+                <a:effectLst/>
+                <a:latin typeface="+mn-lt"/>
+                <a:ea typeface="+mn-ea"/>
+                <a:cs typeface="+mn-cs"/>
+              </a:rPr>
+              <a:t>eigen</a:t>
+            </a:r>
+            <a:r>
+              <a:rPr lang="en-US" altLang="zh-CN" sz="1200" b="0" i="0" kern="1200" dirty="0" smtClean="0">
+                <a:solidFill>
+                  <a:schemeClr val="tx1"/>
+                </a:solidFill>
+                <a:effectLst/>
+                <a:latin typeface="+mn-lt"/>
+                <a:ea typeface="+mn-ea"/>
+                <a:cs typeface="+mn-cs"/>
+              </a:rPr>
+              <a:t> vectors and that will be the new k dimensions.</a:t>
+            </a:r>
+          </a:p>
+          <a:p>
+            <a:r>
+              <a:rPr lang="en-US" altLang="zh-CN" sz="1200" b="0" i="0" kern="1200" dirty="0" smtClean="0">
+                <a:solidFill>
+                  <a:schemeClr val="tx1"/>
+                </a:solidFill>
+                <a:effectLst/>
+                <a:latin typeface="+mn-lt"/>
+                <a:ea typeface="+mn-ea"/>
+                <a:cs typeface="+mn-cs"/>
+              </a:rPr>
+              <a:t>Transform the original n dimensional data points into k dimensions.</a:t>
+            </a:r>
+          </a:p>
+          <a:p>
             <a:endParaRPr lang="zh-CN" altLang="en-US" dirty="0"/>
           </a:p>
         </p:txBody>
@@ -4722,12 +5988,16 @@
           <a:lstStyle/>
           <a:p>
             <a:r>
-              <a:rPr lang="en-US" altLang="zh-CN" dirty="0" smtClean="0"/>
-              <a:t>I have six view to provide a clear</a:t>
-            </a:r>
-            <a:r>
-              <a:rPr lang="en-US" altLang="zh-CN" baseline="0" dirty="0" smtClean="0"/>
-              <a:t> view in relation between application performance and system pressure, based on the PCA model. Let’s go through them individually. </a:t>
+              <a:rPr lang="en-US" altLang="zh-CN" sz="1200" b="0" i="0" kern="1200" dirty="0" smtClean="0">
+                <a:solidFill>
+                  <a:schemeClr val="tx1"/>
+                </a:solidFill>
+                <a:effectLst/>
+                <a:latin typeface="+mn-lt"/>
+                <a:ea typeface="+mn-ea"/>
+                <a:cs typeface="+mn-cs"/>
+              </a:rPr>
+              <a:t>The Pearson product-moment correlation coefficient is a measure of the strength of the linear relationship between two variables. it has a value between +1 and −1, where 1 is total positive linear correlation, 0 is no linear correlation, and −1 is total negative linear correlation.</a:t>
             </a:r>
             <a:endParaRPr lang="zh-CN" altLang="en-US" dirty="0"/>
           </a:p>
@@ -4750,7 +6020,7 @@
           <a:p>
             <a:fld id="{11C9F9BA-DAA9-4436-A646-F33D94DB5BA5}" type="slidenum">
               <a:rPr lang="zh-CN" altLang="en-US" smtClean="0"/>
-              <a:t>7</a:t>
+              <a:t>6</a:t>
             </a:fld>
             <a:endParaRPr lang="zh-CN" altLang="en-US"/>
           </a:p>
@@ -4759,7 +6029,7 @@
     </p:spTree>
     <p:extLst>
       <p:ext uri="{BB962C8B-B14F-4D97-AF65-F5344CB8AC3E}">
-        <p14:creationId xmlns:p14="http://schemas.microsoft.com/office/powerpoint/2010/main" val="2517110932"/>
+        <p14:creationId xmlns:p14="http://schemas.microsoft.com/office/powerpoint/2010/main" val="4009106296"/>
       </p:ext>
     </p:extLst>
   </p:cSld>
@@ -4815,27 +6085,27 @@
           <a:p>
             <a:r>
               <a:rPr lang="en-US" altLang="zh-CN" dirty="0" smtClean="0"/>
-              <a:t>The</a:t>
+              <a:t>I have six view to provide a clear</a:t>
             </a:r>
             <a:r>
               <a:rPr lang="en-US" altLang="zh-CN" baseline="0" dirty="0" smtClean="0"/>
-              <a:t> application performance is evaluated by a single metric, latency. And the dataset is a </a:t>
-            </a:r>
-            <a:r>
-              <a:rPr lang="en-US" altLang="zh-CN" baseline="0" dirty="0" err="1" smtClean="0"/>
-              <a:t>timeseries</a:t>
+              <a:t> </a:t>
             </a:r>
             <a:r>
               <a:rPr lang="en-US" altLang="zh-CN" baseline="0" dirty="0" smtClean="0"/>
-              <a:t> dataset, so using a </a:t>
-            </a:r>
-            <a:r>
-              <a:rPr lang="en-US" altLang="zh-CN" baseline="0" dirty="0" err="1" smtClean="0"/>
-              <a:t>linechart</a:t>
+              <a:t>insight to the relation </a:t>
             </a:r>
             <a:r>
               <a:rPr lang="en-US" altLang="zh-CN" baseline="0" dirty="0" smtClean="0"/>
-              <a:t> is a good way to give insight to performance.  The data encoded here is the time and latency attribute from the raw dataset. X axis is time, Y axis is latency. User can drag ranges for comparison because you can see there is some time period with high latency, and some are low so it’s important to allow user to compare with these intervals to see what happens. And the range they select are marked with different background colors. Selecting time periods influences all plots so I’ll go through it later.  </a:t>
+              <a:t>between application performance and system pressure, based on the PCA model. </a:t>
+            </a:r>
+            <a:r>
+              <a:rPr lang="en-US" altLang="zh-CN" baseline="0" dirty="0" smtClean="0"/>
+              <a:t>I’ll </a:t>
+            </a:r>
+            <a:r>
+              <a:rPr lang="en-US" altLang="zh-CN" baseline="0" dirty="0" smtClean="0"/>
+              <a:t>go through them individually. </a:t>
             </a:r>
             <a:endParaRPr lang="zh-CN" altLang="en-US" dirty="0"/>
           </a:p>
@@ -4858,7 +6128,7 @@
           <a:p>
             <a:fld id="{11C9F9BA-DAA9-4436-A646-F33D94DB5BA5}" type="slidenum">
               <a:rPr lang="zh-CN" altLang="en-US" smtClean="0"/>
-              <a:t>8</a:t>
+              <a:t>7</a:t>
             </a:fld>
             <a:endParaRPr lang="zh-CN" altLang="en-US"/>
           </a:p>
@@ -4867,7 +6137,7 @@
     </p:spTree>
     <p:extLst>
       <p:ext uri="{BB962C8B-B14F-4D97-AF65-F5344CB8AC3E}">
-        <p14:creationId xmlns:p14="http://schemas.microsoft.com/office/powerpoint/2010/main" val="1994814152"/>
+        <p14:creationId xmlns:p14="http://schemas.microsoft.com/office/powerpoint/2010/main" val="2517110932"/>
       </p:ext>
     </p:extLst>
   </p:cSld>
@@ -4923,65 +6193,27 @@
           <a:p>
             <a:r>
               <a:rPr lang="en-US" altLang="zh-CN" dirty="0" smtClean="0"/>
-              <a:t>This is the correlation view,</a:t>
+              <a:t>The</a:t>
             </a:r>
             <a:r>
               <a:rPr lang="en-US" altLang="zh-CN" baseline="0" dirty="0" smtClean="0"/>
-              <a:t> which uses a table with inline scatter plots. The data encoded is </a:t>
-            </a:r>
-            <a:r>
-              <a:rPr lang="en-US" altLang="zh-CN" dirty="0" smtClean="0"/>
-              <a:t>Person correlation coefficient value on the selected ranges. Default</a:t>
+              <a:t> application performance is evaluated by a single metric, latency. And the dataset is a </a:t>
+            </a:r>
+            <a:r>
+              <a:rPr lang="en-US" altLang="zh-CN" baseline="0" dirty="0" err="1" smtClean="0"/>
+              <a:t>timeseries</a:t>
             </a:r>
             <a:r>
               <a:rPr lang="en-US" altLang="zh-CN" baseline="0" dirty="0" smtClean="0"/>
-              <a:t> is the full dataset. As you can see, the row and column is metrics and cells values are numbers and scatter plots. For the cells that contains numbers, the values of cell are  </a:t>
-            </a:r>
-            <a:r>
-              <a:rPr lang="en-US" altLang="zh-CN" dirty="0" smtClean="0"/>
-              <a:t>Person correlation coefficient value.</a:t>
+              <a:t> dataset, so using a </a:t>
+            </a:r>
+            <a:r>
+              <a:rPr lang="en-US" altLang="zh-CN" baseline="0" dirty="0" err="1" smtClean="0"/>
+              <a:t>linechart</a:t>
             </a:r>
             <a:r>
               <a:rPr lang="en-US" altLang="zh-CN" baseline="0" dirty="0" smtClean="0"/>
-              <a:t> I use cold colors for background to represent negative values and warm colors to show positive ones. The colder or warmer the cell is , the smaller or larger the value is. As for the inline scatter plot, </a:t>
-            </a:r>
-            <a:r>
-              <a:rPr lang="en-US" altLang="zh-CN" baseline="0" dirty="0" err="1" smtClean="0"/>
-              <a:t>xaxis</a:t>
-            </a:r>
-            <a:r>
-              <a:rPr lang="en-US" altLang="zh-CN" baseline="0" dirty="0" smtClean="0"/>
-              <a:t> is metric in row and </a:t>
-            </a:r>
-            <a:r>
-              <a:rPr lang="en-US" altLang="zh-CN" baseline="0" dirty="0" err="1" smtClean="0"/>
-              <a:t>yaxis</a:t>
-            </a:r>
-            <a:r>
-              <a:rPr lang="en-US" altLang="zh-CN" baseline="0" dirty="0" smtClean="0"/>
-              <a:t> is metric in column. </a:t>
-            </a:r>
-          </a:p>
-          <a:p>
-            <a:r>
-              <a:rPr lang="en-US" altLang="zh-CN" baseline="0" dirty="0" smtClean="0"/>
-              <a:t>I draw this plot because the </a:t>
-            </a:r>
-            <a:r>
-              <a:rPr lang="en-US" altLang="zh-CN" dirty="0" smtClean="0"/>
-              <a:t>Person correlation is important</a:t>
-            </a:r>
-            <a:r>
-              <a:rPr lang="en-US" altLang="zh-CN" baseline="0" dirty="0" smtClean="0"/>
-              <a:t> in PCA and people need to know the correlation between two metrics. Inline scatter plots give a straightforward view about the correlation. This idea is from </a:t>
-            </a:r>
-            <a:r>
-              <a:rPr lang="en-US" altLang="zh-CN" baseline="0" dirty="0" err="1" smtClean="0"/>
-              <a:t>iPCA</a:t>
-            </a:r>
-            <a:r>
-              <a:rPr lang="en-US" altLang="zh-CN" baseline="0" dirty="0" smtClean="0"/>
-              <a:t> paper. </a:t>
+              <a:t> is a good way to give insight to performance.  The data encoded here is the time and latency attribute from the raw dataset. X axis is time, Y axis is latency. User can drag ranges for comparison because you can see there is some time period with high latency, and some are low so it’s important to allow user to compare with these intervals to see what happens. And the range they select are marked with different background colors. Selecting time periods influences all plots so I’ll go through it later.  </a:t>
             </a:r>
             <a:endParaRPr lang="zh-CN" altLang="en-US" dirty="0"/>
           </a:p>
@@ -5004,7 +6236,7 @@
           <a:p>
             <a:fld id="{11C9F9BA-DAA9-4436-A646-F33D94DB5BA5}" type="slidenum">
               <a:rPr lang="zh-CN" altLang="en-US" smtClean="0"/>
-              <a:t>9</a:t>
+              <a:t>8</a:t>
             </a:fld>
             <a:endParaRPr lang="zh-CN" altLang="en-US"/>
           </a:p>
@@ -5013,7 +6245,7 @@
     </p:spTree>
     <p:extLst>
       <p:ext uri="{BB962C8B-B14F-4D97-AF65-F5344CB8AC3E}">
-        <p14:creationId xmlns:p14="http://schemas.microsoft.com/office/powerpoint/2010/main" val="430373363"/>
+        <p14:creationId xmlns:p14="http://schemas.microsoft.com/office/powerpoint/2010/main" val="1994814152"/>
       </p:ext>
     </p:extLst>
   </p:cSld>
@@ -5069,53 +6301,65 @@
           <a:p>
             <a:r>
               <a:rPr lang="en-US" altLang="zh-CN" dirty="0" smtClean="0"/>
-              <a:t>The data view is designed as a </a:t>
+              <a:t>This is the correlation view,</a:t>
+            </a:r>
+            <a:r>
+              <a:rPr lang="en-US" altLang="zh-CN" baseline="0" dirty="0" smtClean="0"/>
+              <a:t> which uses a table with inline scatter plots. The data encoded is </a:t>
             </a:r>
             <a:r>
               <a:rPr lang="en-US" altLang="zh-CN" dirty="0" smtClean="0"/>
-              <a:t>parallel coordinator plot. Data used here</a:t>
+              <a:t>Person correlation coefficient value on the selected ranges. Default</a:t>
             </a:r>
             <a:r>
               <a:rPr lang="en-US" altLang="zh-CN" baseline="0" dirty="0" smtClean="0"/>
-              <a:t> is raw data. If user select time periods on the performance plot, this data view will show selected data and use different colors to group them. The gradient </a:t>
+              <a:t> is the full dataset. As you can see, the row and column is metrics and cells values are numbers and scatter plots. For the cells that contains numbers, the values of cell are  </a:t>
+            </a:r>
+            <a:r>
+              <a:rPr lang="en-US" altLang="zh-CN" dirty="0" smtClean="0"/>
+              <a:t>Person correlation coefficient value.</a:t>
+            </a:r>
+            <a:r>
+              <a:rPr lang="en-US" altLang="zh-CN" baseline="0" dirty="0" smtClean="0"/>
+              <a:t> I use cold colors for background to represent negative values and warm colors to show positive ones. The colder or warmer the cell is , the smaller or larger the value is. As for the inline scatter plot, </a:t>
             </a:r>
             <a:r>
               <a:rPr lang="en-US" altLang="zh-CN" baseline="0" dirty="0" err="1" smtClean="0"/>
-              <a:t>colorscale</a:t>
+              <a:t>xaxis</a:t>
             </a:r>
             <a:r>
               <a:rPr lang="en-US" altLang="zh-CN" baseline="0" dirty="0" smtClean="0"/>
-              <a:t>, from light purple to dark purple, light red to dark red, represents the latency. And I gave a radio for user to switch this color encoding. You can change it to time attribute. And the color bar will change and well scaled too. </a:t>
-            </a:r>
-          </a:p>
-          <a:p>
+              <a:t> is metric in row and </a:t>
+            </a:r>
+            <a:r>
+              <a:rPr lang="en-US" altLang="zh-CN" baseline="0" dirty="0" err="1" smtClean="0"/>
+              <a:t>yaxis</a:t>
+            </a:r>
             <a:r>
               <a:rPr lang="en-US" altLang="zh-CN" baseline="0" dirty="0" smtClean="0"/>
-              <a:t>I draw this because parallel coordinator plot is good for viewing high dimension raw data. I choose latency and time in gradient </a:t>
+              <a:t> is metric in column. </a:t>
+            </a:r>
+          </a:p>
+          <a:p>
+            <a:r>
+              <a:rPr lang="en-US" altLang="zh-CN" baseline="0" dirty="0" smtClean="0"/>
+              <a:t>I draw this plot because the </a:t>
+            </a:r>
+            <a:r>
+              <a:rPr lang="en-US" altLang="zh-CN" dirty="0" smtClean="0"/>
+              <a:t>Person correlation is important</a:t>
+            </a:r>
+            <a:r>
+              <a:rPr lang="en-US" altLang="zh-CN" baseline="0" dirty="0" smtClean="0"/>
+              <a:t> in PCA and people need to know the correlation between two metrics. Inline scatter plots give a straightforward view about the correlation. This idea is from </a:t>
             </a:r>
             <a:r>
               <a:rPr lang="en-US" altLang="zh-CN" baseline="0" dirty="0" err="1" smtClean="0"/>
-              <a:t>colorscale</a:t>
+              <a:t>iPCA</a:t>
             </a:r>
             <a:r>
               <a:rPr lang="en-US" altLang="zh-CN" baseline="0" dirty="0" smtClean="0"/>
-              <a:t> because you can observe something like ‘high latency is along with high </a:t>
-            </a:r>
-            <a:r>
-              <a:rPr lang="en-US" altLang="zh-CN" baseline="0" dirty="0" err="1" smtClean="0"/>
-              <a:t>cpu</a:t>
-            </a:r>
-            <a:r>
-              <a:rPr lang="en-US" altLang="zh-CN" baseline="0" dirty="0" smtClean="0"/>
-              <a:t> </a:t>
-            </a:r>
-            <a:r>
-              <a:rPr lang="en-US" altLang="zh-CN" baseline="0" dirty="0" err="1" smtClean="0"/>
-              <a:t>precent</a:t>
-            </a:r>
-            <a:r>
-              <a:rPr lang="en-US" altLang="zh-CN" baseline="0" dirty="0" smtClean="0"/>
-              <a:t>’ or ‘with time going, the network decreases’. Because all plots are linked, I’ll go through conclusion I get from visualizations later. </a:t>
+              <a:t> paper. </a:t>
             </a:r>
             <a:endParaRPr lang="zh-CN" altLang="en-US" dirty="0"/>
           </a:p>
@@ -5138,7 +6382,7 @@
           <a:p>
             <a:fld id="{11C9F9BA-DAA9-4436-A646-F33D94DB5BA5}" type="slidenum">
               <a:rPr lang="zh-CN" altLang="en-US" smtClean="0"/>
-              <a:t>10</a:t>
+              <a:t>9</a:t>
             </a:fld>
             <a:endParaRPr lang="zh-CN" altLang="en-US"/>
           </a:p>
@@ -5147,7 +6391,7 @@
     </p:spTree>
     <p:extLst>
       <p:ext uri="{BB962C8B-B14F-4D97-AF65-F5344CB8AC3E}">
-        <p14:creationId xmlns:p14="http://schemas.microsoft.com/office/powerpoint/2010/main" val="642525480"/>
+        <p14:creationId xmlns:p14="http://schemas.microsoft.com/office/powerpoint/2010/main" val="430373363"/>
       </p:ext>
     </p:extLst>
   </p:cSld>
@@ -5201,73 +6445,51 @@
           <a:bodyPr/>
           <a:lstStyle/>
           <a:p>
-            <a:pPr marL="0" marR="0" lvl="0" indent="0" algn="l" defTabSz="914400" rtl="0" eaLnBrk="1" fontAlgn="auto" latinLnBrk="0" hangingPunct="1">
-              <a:lnSpc>
-                <a:spcPct val="100000"/>
-              </a:lnSpc>
-              <a:spcBef>
-                <a:spcPts val="0"/>
-              </a:spcBef>
-              <a:spcAft>
-                <a:spcPts val="0"/>
-              </a:spcAft>
-              <a:buClrTx/>
-              <a:buSzTx/>
-              <a:buFontTx/>
-              <a:buNone/>
-              <a:tabLst/>
-              <a:defRPr/>
-            </a:pPr>
             <a:r>
               <a:rPr lang="en-US" altLang="zh-CN" dirty="0" smtClean="0"/>
-              <a:t>Eigenvector view uses </a:t>
-            </a:r>
-            <a:r>
-              <a:rPr lang="en-US" altLang="zh-CN" dirty="0" smtClean="0"/>
-              <a:t>PCA </a:t>
-            </a:r>
-            <a:r>
-              <a:rPr lang="en-US" altLang="zh-CN" dirty="0" err="1" smtClean="0"/>
-              <a:t>explained_variance_ratio</a:t>
+              <a:t>The data view is designed as a parallel coordinator plot. Data used here</a:t>
             </a:r>
             <a:r>
               <a:rPr lang="en-US" altLang="zh-CN" baseline="0" dirty="0" smtClean="0"/>
-              <a:t>. The coordinator is ratio, which is in order. Each coordinator is in common scale. Each line represent eigenvector for each data item. It has same color encoding and same</a:t>
-            </a:r>
-            <a:r>
-              <a:rPr lang="en-US" altLang="zh-CN" dirty="0" smtClean="0"/>
-              <a:t> interactions with data view</a:t>
+              <a:t> is raw data. If user select time periods on the performance plot, this data view will show selected data and use different colors to group them. The gradient </a:t>
+            </a:r>
+            <a:r>
+              <a:rPr lang="en-US" altLang="zh-CN" baseline="0" dirty="0" err="1" smtClean="0"/>
+              <a:t>colorscale</a:t>
             </a:r>
             <a:r>
               <a:rPr lang="en-US" altLang="zh-CN" baseline="0" dirty="0" smtClean="0"/>
-              <a:t> so I won’t repeat here.</a:t>
-            </a:r>
-          </a:p>
-          <a:p>
-            <a:pPr marL="0" marR="0" lvl="0" indent="0" algn="l" defTabSz="914400" rtl="0" eaLnBrk="1" fontAlgn="auto" latinLnBrk="0" hangingPunct="1">
-              <a:lnSpc>
-                <a:spcPct val="100000"/>
-              </a:lnSpc>
-              <a:spcBef>
-                <a:spcPts val="0"/>
-              </a:spcBef>
-              <a:spcAft>
-                <a:spcPts val="0"/>
-              </a:spcAft>
-              <a:buClrTx/>
-              <a:buSzTx/>
-              <a:buFontTx/>
-              <a:buNone/>
-              <a:tabLst/>
-              <a:defRPr/>
-            </a:pPr>
-            <a:r>
-              <a:rPr lang="en-US" altLang="zh-CN" dirty="0" smtClean="0"/>
-              <a:t>This</a:t>
-            </a:r>
+              <a:t>, from light purple to dark purple, light red to dark red, represents the latency. And I gave a radio for user to switch this color encoding. You can change it to time attribute. And the color bar will change and well scaled too. </a:t>
+            </a:r>
+          </a:p>
+          <a:p>
             <a:r>
               <a:rPr lang="en-US" altLang="zh-CN" baseline="0" dirty="0" smtClean="0"/>
-              <a:t> plot tries to explain how to get the principle components in detailed. So it’s import for PCA visualization. </a:t>
+              <a:t>I draw this because parallel coordinator plot is good for viewing high dimension raw data. I choose latency and time in gradient </a:t>
+            </a:r>
+            <a:r>
+              <a:rPr lang="en-US" altLang="zh-CN" baseline="0" dirty="0" err="1" smtClean="0"/>
+              <a:t>colorscale</a:t>
+            </a:r>
+            <a:r>
+              <a:rPr lang="en-US" altLang="zh-CN" baseline="0" dirty="0" smtClean="0"/>
+              <a:t> because you can observe something like ‘high latency is along with high </a:t>
+            </a:r>
+            <a:r>
+              <a:rPr lang="en-US" altLang="zh-CN" baseline="0" dirty="0" err="1" smtClean="0"/>
+              <a:t>cpu</a:t>
+            </a:r>
+            <a:r>
+              <a:rPr lang="en-US" altLang="zh-CN" baseline="0" dirty="0" smtClean="0"/>
+              <a:t> </a:t>
+            </a:r>
+            <a:r>
+              <a:rPr lang="en-US" altLang="zh-CN" baseline="0" dirty="0" err="1" smtClean="0"/>
+              <a:t>precent</a:t>
+            </a:r>
+            <a:r>
+              <a:rPr lang="en-US" altLang="zh-CN" baseline="0" dirty="0" smtClean="0"/>
+              <a:t>’ or ‘with time going, the network decreases’. Because all plots are linked, I’ll go through conclusion I get from visualizations later. </a:t>
             </a:r>
             <a:endParaRPr lang="zh-CN" altLang="en-US" dirty="0"/>
           </a:p>
@@ -5290,7 +6512,7 @@
           <a:p>
             <a:fld id="{11C9F9BA-DAA9-4436-A646-F33D94DB5BA5}" type="slidenum">
               <a:rPr lang="zh-CN" altLang="en-US" smtClean="0"/>
-              <a:t>11</a:t>
+              <a:t>10</a:t>
             </a:fld>
             <a:endParaRPr lang="zh-CN" altLang="en-US"/>
           </a:p>
@@ -5299,7 +6521,7 @@
     </p:spTree>
     <p:extLst>
       <p:ext uri="{BB962C8B-B14F-4D97-AF65-F5344CB8AC3E}">
-        <p14:creationId xmlns:p14="http://schemas.microsoft.com/office/powerpoint/2010/main" val="2938148861"/>
+        <p14:creationId xmlns:p14="http://schemas.microsoft.com/office/powerpoint/2010/main" val="642525480"/>
       </p:ext>
     </p:extLst>
   </p:cSld>
@@ -5353,39 +6575,69 @@
           <a:bodyPr/>
           <a:lstStyle/>
           <a:p>
+            <a:pPr marL="0" marR="0" lvl="0" indent="0" algn="l" defTabSz="914400" rtl="0" eaLnBrk="1" fontAlgn="auto" latinLnBrk="0" hangingPunct="1">
+              <a:lnSpc>
+                <a:spcPct val="100000"/>
+              </a:lnSpc>
+              <a:spcBef>
+                <a:spcPts val="0"/>
+              </a:spcBef>
+              <a:spcAft>
+                <a:spcPts val="0"/>
+              </a:spcAft>
+              <a:buClrTx/>
+              <a:buSzTx/>
+              <a:buFontTx/>
+              <a:buNone/>
+              <a:tabLst/>
+              <a:defRPr/>
+            </a:pPr>
             <a:r>
               <a:rPr lang="en-US" altLang="zh-CN" dirty="0" smtClean="0"/>
-              <a:t>The projection view uses a scatter plot to show the 2 dimension PCA project result. I</a:t>
+              <a:t>Eigenvector view uses PCA </a:t>
+            </a:r>
+            <a:r>
+              <a:rPr lang="en-US" altLang="zh-CN" dirty="0" err="1" smtClean="0"/>
+              <a:t>explained_variance_ratio</a:t>
             </a:r>
             <a:r>
               <a:rPr lang="en-US" altLang="zh-CN" baseline="0" dirty="0" smtClean="0"/>
-              <a:t> draw it because it’s the most directly result we get from PCA. User can get the most 2 important composite components which describe high dimensional dataset well. Scatter plot provides a clear view on the projection. </a:t>
-            </a:r>
-          </a:p>
-          <a:p>
-            <a:r>
-              <a:rPr lang="en-US" altLang="zh-CN" baseline="0" dirty="0" err="1" smtClean="0"/>
-              <a:t>Xaxis</a:t>
+              <a:t>. The coordinator is ratio, which is in order. Each coordinator is in common scale. Each line represent eigenvector for each data item. It has same color encoding and same</a:t>
+            </a:r>
+            <a:r>
+              <a:rPr lang="en-US" altLang="zh-CN" dirty="0" smtClean="0"/>
+              <a:t> interactions with data view</a:t>
             </a:r>
             <a:r>
               <a:rPr lang="en-US" altLang="zh-CN" baseline="0" dirty="0" smtClean="0"/>
-              <a:t> is PC1 value and </a:t>
-            </a:r>
-            <a:r>
-              <a:rPr lang="en-US" altLang="zh-CN" baseline="0" dirty="0" err="1" smtClean="0"/>
-              <a:t>yaxis</a:t>
+              <a:t> so I won’t repeat here.</a:t>
+            </a:r>
+          </a:p>
+          <a:p>
+            <a:pPr marL="0" marR="0" lvl="0" indent="0" algn="l" defTabSz="914400" rtl="0" eaLnBrk="1" fontAlgn="auto" latinLnBrk="0" hangingPunct="1">
+              <a:lnSpc>
+                <a:spcPct val="100000"/>
+              </a:lnSpc>
+              <a:spcBef>
+                <a:spcPts val="0"/>
+              </a:spcBef>
+              <a:spcAft>
+                <a:spcPts val="0"/>
+              </a:spcAft>
+              <a:buClrTx/>
+              <a:buSzTx/>
+              <a:buFontTx/>
+              <a:buNone/>
+              <a:tabLst/>
+              <a:defRPr/>
+            </a:pPr>
+            <a:r>
+              <a:rPr lang="en-US" altLang="zh-CN" dirty="0" smtClean="0"/>
+              <a:t>This</a:t>
             </a:r>
             <a:r>
               <a:rPr lang="en-US" altLang="zh-CN" baseline="0" dirty="0" smtClean="0"/>
-              <a:t> is PC2  value. Color represents time period selected by user in the </a:t>
-            </a:r>
-            <a:r>
-              <a:rPr lang="en-US" altLang="zh-CN" baseline="0" dirty="0" err="1" smtClean="0"/>
-              <a:t>linechart</a:t>
-            </a:r>
-            <a:r>
-              <a:rPr lang="en-US" altLang="zh-CN" baseline="0" dirty="0" smtClean="0"/>
-              <a:t>. The illumination in each group represent the latency or time. And if user brush or select data items in parallel coordinator plots, the opacity here will change to show if it is selected.  </a:t>
+              <a:t> plot tries to explain how to get the principle components in detailed. So it’s import for PCA visualization. </a:t>
             </a:r>
             <a:endParaRPr lang="zh-CN" altLang="en-US" dirty="0"/>
           </a:p>
@@ -5408,7 +6660,7 @@
           <a:p>
             <a:fld id="{11C9F9BA-DAA9-4436-A646-F33D94DB5BA5}" type="slidenum">
               <a:rPr lang="zh-CN" altLang="en-US" smtClean="0"/>
-              <a:t>12</a:t>
+              <a:t>11</a:t>
             </a:fld>
             <a:endParaRPr lang="zh-CN" altLang="en-US"/>
           </a:p>
@@ -5417,7 +6669,7 @@
     </p:spTree>
     <p:extLst>
       <p:ext uri="{BB962C8B-B14F-4D97-AF65-F5344CB8AC3E}">
-        <p14:creationId xmlns:p14="http://schemas.microsoft.com/office/powerpoint/2010/main" val="1918638900"/>
+        <p14:creationId xmlns:p14="http://schemas.microsoft.com/office/powerpoint/2010/main" val="2938148861"/>
       </p:ext>
     </p:extLst>
   </p:cSld>
@@ -5558,7 +6810,7 @@
           <a:p>
             <a:fld id="{E8DD6121-311A-47B4-A493-4E3D7F5B1266}" type="datetimeFigureOut">
               <a:rPr lang="zh-CN" altLang="en-US" smtClean="0"/>
-              <a:t>2019/4/21</a:t>
+              <a:t>2019/4/22</a:t>
             </a:fld>
             <a:endParaRPr lang="zh-CN" altLang="en-US"/>
           </a:p>
@@ -6078,7 +7330,7 @@
           <a:p>
             <a:fld id="{E8DD6121-311A-47B4-A493-4E3D7F5B1266}" type="datetimeFigureOut">
               <a:rPr lang="zh-CN" altLang="en-US" smtClean="0"/>
-              <a:t>2019/4/21</a:t>
+              <a:t>2019/4/22</a:t>
             </a:fld>
             <a:endParaRPr lang="zh-CN" altLang="en-US"/>
           </a:p>
@@ -7879,7 +9131,7 @@
           <a:p>
             <a:fld id="{E8DD6121-311A-47B4-A493-4E3D7F5B1266}" type="datetimeFigureOut">
               <a:rPr lang="zh-CN" altLang="en-US" smtClean="0"/>
-              <a:t>2019/4/21</a:t>
+              <a:t>2019/4/22</a:t>
             </a:fld>
             <a:endParaRPr lang="zh-CN" altLang="en-US"/>
           </a:p>
@@ -8415,15 +9667,7 @@
             <a:pPr lvl="1"/>
             <a:r>
               <a:rPr lang="en-US" altLang="zh-CN" dirty="0" smtClean="0"/>
-              <a:t>D3.js - parallel-coordinates(</a:t>
-            </a:r>
-            <a:r>
-              <a:rPr lang="en-US" altLang="zh-CN" dirty="0" smtClean="0"/>
-              <a:t>syntagmatic</a:t>
-            </a:r>
-            <a:r>
-              <a:rPr lang="en-US" altLang="zh-CN" dirty="0" smtClean="0"/>
-              <a:t>) &amp; </a:t>
+              <a:t>D3.js - parallel-coordinates(syntagmatic) &amp; </a:t>
             </a:r>
             <a:r>
               <a:rPr lang="en-US" altLang="zh-CN" dirty="0" err="1" smtClean="0"/>
@@ -8722,7 +9966,6 @@
               <a:rPr lang="en-US" altLang="zh-CN" dirty="0" smtClean="0"/>
               <a:t>Line: eigenvector for each data item</a:t>
             </a:r>
-            <a:endParaRPr lang="en-US" altLang="zh-CN" dirty="0" smtClean="0"/>
           </a:p>
           <a:p>
             <a:pPr lvl="1"/>
@@ -9300,7 +10543,7 @@
           <a:p>
             <a:r>
               <a:rPr lang="en-US" altLang="zh-CN" dirty="0" smtClean="0"/>
-              <a:t>Case</a:t>
+              <a:t>What we get from these visualizations</a:t>
             </a:r>
             <a:endParaRPr lang="zh-CN" altLang="en-US" dirty="0"/>
           </a:p>
@@ -9321,6 +10564,189 @@
           <a:bodyPr/>
           <a:lstStyle/>
           <a:p>
+            <a:r>
+              <a:rPr lang="en-US" altLang="zh-CN" dirty="0" smtClean="0"/>
+              <a:t>Take ‘</a:t>
+            </a:r>
+            <a:r>
+              <a:rPr lang="en-US" altLang="zh-CN" dirty="0" err="1" smtClean="0"/>
+              <a:t>pmd</a:t>
+            </a:r>
+            <a:r>
+              <a:rPr lang="en-US" altLang="zh-CN" dirty="0" smtClean="0"/>
+              <a:t>’</a:t>
+            </a:r>
+            <a:r>
+              <a:rPr lang="en-US" altLang="zh-CN" dirty="0" smtClean="0"/>
+              <a:t> </a:t>
+            </a:r>
+            <a:r>
+              <a:rPr lang="en-US" altLang="zh-CN" dirty="0" smtClean="0"/>
+              <a:t>data as an example</a:t>
+            </a:r>
+          </a:p>
+          <a:p>
+            <a:r>
+              <a:rPr lang="en-US" altLang="zh-CN" dirty="0" smtClean="0"/>
+              <a:t> </a:t>
+            </a:r>
+            <a:endParaRPr lang="zh-CN" altLang="en-US" dirty="0"/>
+          </a:p>
+        </p:txBody>
+      </p:sp>
+      <p:pic>
+        <p:nvPicPr>
+          <p:cNvPr id="4" name="Picture 3"/>
+          <p:cNvPicPr>
+            <a:picLocks noChangeAspect="1"/>
+          </p:cNvPicPr>
+          <p:nvPr/>
+        </p:nvPicPr>
+        <p:blipFill>
+          <a:blip r:embed="rId3"/>
+          <a:stretch>
+            <a:fillRect/>
+          </a:stretch>
+        </p:blipFill>
+        <p:spPr>
+          <a:xfrm>
+            <a:off x="1181099" y="2741839"/>
+            <a:ext cx="5442966" cy="3435124"/>
+          </a:xfrm>
+          <a:prstGeom prst="rect">
+            <a:avLst/>
+          </a:prstGeom>
+        </p:spPr>
+      </p:pic>
+      <p:sp>
+        <p:nvSpPr>
+          <p:cNvPr id="5" name="Oval 4"/>
+          <p:cNvSpPr/>
+          <p:nvPr/>
+        </p:nvSpPr>
+        <p:spPr>
+          <a:xfrm>
+            <a:off x="2253343" y="3233057"/>
+            <a:ext cx="2253343" cy="1747157"/>
+          </a:xfrm>
+          <a:prstGeom prst="ellipse">
+            <a:avLst/>
+          </a:prstGeom>
+          <a:noFill/>
+        </p:spPr>
+        <p:style>
+          <a:lnRef idx="2">
+            <a:schemeClr val="accent1">
+              <a:shade val="50000"/>
+            </a:schemeClr>
+          </a:lnRef>
+          <a:fillRef idx="1">
+            <a:schemeClr val="accent1"/>
+          </a:fillRef>
+          <a:effectRef idx="0">
+            <a:schemeClr val="accent1"/>
+          </a:effectRef>
+          <a:fontRef idx="minor">
+            <a:schemeClr val="lt1"/>
+          </a:fontRef>
+        </p:style>
+        <p:txBody>
+          <a:bodyPr rtlCol="0" anchor="ctr"/>
+          <a:lstStyle/>
+          <a:p>
+            <a:pPr algn="ctr"/>
+            <a:endParaRPr lang="zh-CN" altLang="en-US"/>
+          </a:p>
+        </p:txBody>
+      </p:sp>
+      <p:sp>
+        <p:nvSpPr>
+          <p:cNvPr id="6" name="Oval 5"/>
+          <p:cNvSpPr/>
+          <p:nvPr/>
+        </p:nvSpPr>
+        <p:spPr>
+          <a:xfrm>
+            <a:off x="4963886" y="4196443"/>
+            <a:ext cx="2003078" cy="1387928"/>
+          </a:xfrm>
+          <a:prstGeom prst="ellipse">
+            <a:avLst/>
+          </a:prstGeom>
+          <a:noFill/>
+          <a:ln>
+            <a:solidFill>
+              <a:srgbClr val="FF0000"/>
+            </a:solidFill>
+          </a:ln>
+        </p:spPr>
+        <p:style>
+          <a:lnRef idx="2">
+            <a:schemeClr val="accent1">
+              <a:shade val="50000"/>
+            </a:schemeClr>
+          </a:lnRef>
+          <a:fillRef idx="1">
+            <a:schemeClr val="accent1"/>
+          </a:fillRef>
+          <a:effectRef idx="0">
+            <a:schemeClr val="accent1"/>
+          </a:effectRef>
+          <a:fontRef idx="minor">
+            <a:schemeClr val="lt1"/>
+          </a:fontRef>
+        </p:style>
+        <p:txBody>
+          <a:bodyPr rtlCol="0" anchor="ctr"/>
+          <a:lstStyle/>
+          <a:p>
+            <a:pPr algn="ctr"/>
+            <a:endParaRPr lang="zh-CN" altLang="en-US"/>
+          </a:p>
+        </p:txBody>
+      </p:sp>
+      <p:sp>
+        <p:nvSpPr>
+          <p:cNvPr id="7" name="Oval 6"/>
+          <p:cNvSpPr/>
+          <p:nvPr/>
+        </p:nvSpPr>
+        <p:spPr>
+          <a:xfrm>
+            <a:off x="1583871" y="4196443"/>
+            <a:ext cx="963386" cy="1191986"/>
+          </a:xfrm>
+          <a:prstGeom prst="ellipse">
+            <a:avLst/>
+          </a:prstGeom>
+          <a:noFill/>
+          <a:ln>
+            <a:solidFill>
+              <a:srgbClr val="FF0000"/>
+            </a:solidFill>
+          </a:ln>
+        </p:spPr>
+        <p:style>
+          <a:lnRef idx="2">
+            <a:schemeClr val="accent1">
+              <a:shade val="50000"/>
+            </a:schemeClr>
+          </a:lnRef>
+          <a:fillRef idx="1">
+            <a:schemeClr val="accent1"/>
+          </a:fillRef>
+          <a:effectRef idx="0">
+            <a:schemeClr val="accent1"/>
+          </a:effectRef>
+          <a:fontRef idx="minor">
+            <a:schemeClr val="lt1"/>
+          </a:fontRef>
+        </p:style>
+        <p:txBody>
+          <a:bodyPr rtlCol="0" anchor="ctr"/>
+          <a:lstStyle/>
+          <a:p>
+            <a:pPr algn="ctr"/>
             <a:endParaRPr lang="zh-CN" altLang="en-US"/>
           </a:p>
         </p:txBody>
@@ -9370,22 +10796,98 @@
           <a:bodyPr/>
           <a:lstStyle/>
           <a:p>
-            <a:r>
-              <a:rPr lang="en-US" altLang="zh-CN" dirty="0" smtClean="0"/>
-              <a:t>Demo</a:t>
-            </a:r>
             <a:endParaRPr lang="zh-CN" altLang="en-US" dirty="0"/>
           </a:p>
         </p:txBody>
       </p:sp>
-      <p:sp>
-        <p:nvSpPr>
-          <p:cNvPr id="3" name="Content Placeholder 2"/>
+      <p:pic>
+        <p:nvPicPr>
+          <p:cNvPr id="5" name="Content Placeholder 4"/>
+          <p:cNvPicPr>
+            <a:picLocks noGrp="1" noChangeAspect="1"/>
+          </p:cNvPicPr>
+          <p:nvPr>
+            <p:ph idx="1"/>
+          </p:nvPr>
+        </p:nvPicPr>
+        <p:blipFill>
+          <a:blip r:embed="rId3"/>
+          <a:stretch>
+            <a:fillRect/>
+          </a:stretch>
+        </p:blipFill>
+        <p:spPr>
+          <a:xfrm>
+            <a:off x="3543300" y="4240098"/>
+            <a:ext cx="4989059" cy="2224602"/>
+          </a:xfrm>
+          <a:prstGeom prst="rect">
+            <a:avLst/>
+          </a:prstGeom>
+        </p:spPr>
+      </p:pic>
+      <p:pic>
+        <p:nvPicPr>
+          <p:cNvPr id="4" name="Picture 3"/>
+          <p:cNvPicPr>
+            <a:picLocks noChangeAspect="1"/>
+          </p:cNvPicPr>
+          <p:nvPr/>
+        </p:nvPicPr>
+        <p:blipFill>
+          <a:blip r:embed="rId4"/>
+          <a:stretch>
+            <a:fillRect/>
+          </a:stretch>
+        </p:blipFill>
+        <p:spPr>
+          <a:xfrm>
+            <a:off x="3659641" y="132883"/>
+            <a:ext cx="4872718" cy="4107215"/>
+          </a:xfrm>
+          <a:prstGeom prst="rect">
+            <a:avLst/>
+          </a:prstGeom>
+        </p:spPr>
+      </p:pic>
+    </p:spTree>
+    <p:extLst>
+      <p:ext uri="{BB962C8B-B14F-4D97-AF65-F5344CB8AC3E}">
+        <p14:creationId xmlns:p14="http://schemas.microsoft.com/office/powerpoint/2010/main" val="2680021409"/>
+      </p:ext>
+    </p:extLst>
+  </p:cSld>
+  <p:clrMapOvr>
+    <a:masterClrMapping/>
+  </p:clrMapOvr>
+</p:sld>
+</file>
+
+<file path=ppt/slides/slide16.xml><?xml version="1.0" encoding="utf-8"?>
+<p:sld xmlns:a="http://schemas.openxmlformats.org/drawingml/2006/main" xmlns:r="http://schemas.openxmlformats.org/officeDocument/2006/relationships" xmlns:p="http://schemas.openxmlformats.org/presentationml/2006/main">
+  <p:cSld>
+    <p:spTree>
+      <p:nvGrpSpPr>
+        <p:cNvPr id="1" name=""/>
+        <p:cNvGrpSpPr/>
+        <p:nvPr/>
+      </p:nvGrpSpPr>
+      <p:grpSpPr>
+        <a:xfrm>
+          <a:off x="0" y="0"/>
+          <a:ext cx="0" cy="0"/>
+          <a:chOff x="0" y="0"/>
+          <a:chExt cx="0" cy="0"/>
+        </a:xfrm>
+      </p:grpSpPr>
+      <p:sp>
+        <p:nvSpPr>
+          <p:cNvPr id="2" name="Title 1"/>
           <p:cNvSpPr>
             <a:spLocks noGrp="1"/>
           </p:cNvSpPr>
           <p:nvPr>
-            <p:ph idx="1"/>
+            <p:ph type="title"/>
           </p:nvPr>
         </p:nvSpPr>
         <p:spPr/>
@@ -9397,10 +10899,806 @@
           </a:p>
         </p:txBody>
       </p:sp>
+      <p:pic>
+        <p:nvPicPr>
+          <p:cNvPr id="5" name="Content Placeholder 4"/>
+          <p:cNvPicPr>
+            <a:picLocks noGrp="1" noChangeAspect="1"/>
+          </p:cNvPicPr>
+          <p:nvPr>
+            <p:ph idx="1"/>
+          </p:nvPr>
+        </p:nvPicPr>
+        <p:blipFill>
+          <a:blip r:embed="rId3"/>
+          <a:stretch>
+            <a:fillRect/>
+          </a:stretch>
+        </p:blipFill>
+        <p:spPr>
+          <a:xfrm>
+            <a:off x="1028019" y="2660309"/>
+            <a:ext cx="5400675" cy="2486025"/>
+          </a:xfrm>
+          <a:prstGeom prst="rect">
+            <a:avLst/>
+          </a:prstGeom>
+        </p:spPr>
+      </p:pic>
+      <p:pic>
+        <p:nvPicPr>
+          <p:cNvPr id="4" name="Picture 3"/>
+          <p:cNvPicPr>
+            <a:picLocks noChangeAspect="1"/>
+          </p:cNvPicPr>
+          <p:nvPr/>
+        </p:nvPicPr>
+        <p:blipFill>
+          <a:blip r:embed="rId4"/>
+          <a:stretch>
+            <a:fillRect/>
+          </a:stretch>
+        </p:blipFill>
+        <p:spPr>
+          <a:xfrm>
+            <a:off x="838200" y="505619"/>
+            <a:ext cx="6315075" cy="2505075"/>
+          </a:xfrm>
+          <a:prstGeom prst="rect">
+            <a:avLst/>
+          </a:prstGeom>
+        </p:spPr>
+      </p:pic>
+      <p:pic>
+        <p:nvPicPr>
+          <p:cNvPr id="6" name="Picture 5"/>
+          <p:cNvPicPr>
+            <a:picLocks noChangeAspect="1"/>
+          </p:cNvPicPr>
+          <p:nvPr/>
+        </p:nvPicPr>
+        <p:blipFill>
+          <a:blip r:embed="rId5"/>
+          <a:stretch>
+            <a:fillRect/>
+          </a:stretch>
+        </p:blipFill>
+        <p:spPr>
+          <a:xfrm>
+            <a:off x="7253110" y="407647"/>
+            <a:ext cx="4460599" cy="3276146"/>
+          </a:xfrm>
+          <a:prstGeom prst="rect">
+            <a:avLst/>
+          </a:prstGeom>
+        </p:spPr>
+      </p:pic>
+      <p:pic>
+        <p:nvPicPr>
+          <p:cNvPr id="7" name="Picture 6"/>
+          <p:cNvPicPr>
+            <a:picLocks noChangeAspect="1"/>
+          </p:cNvPicPr>
+          <p:nvPr/>
+        </p:nvPicPr>
+        <p:blipFill>
+          <a:blip r:embed="rId6"/>
+          <a:stretch>
+            <a:fillRect/>
+          </a:stretch>
+        </p:blipFill>
+        <p:spPr>
+          <a:xfrm>
+            <a:off x="7148512" y="3683793"/>
+            <a:ext cx="4478791" cy="2526125"/>
+          </a:xfrm>
+          <a:prstGeom prst="rect">
+            <a:avLst/>
+          </a:prstGeom>
+        </p:spPr>
+      </p:pic>
+      <p:sp>
+        <p:nvSpPr>
+          <p:cNvPr id="8" name="Oval 7"/>
+          <p:cNvSpPr/>
+          <p:nvPr/>
+        </p:nvSpPr>
+        <p:spPr>
+          <a:xfrm>
+            <a:off x="838200" y="3429000"/>
+            <a:ext cx="1594757" cy="963386"/>
+          </a:xfrm>
+          <a:prstGeom prst="ellipse">
+            <a:avLst/>
+          </a:prstGeom>
+          <a:noFill/>
+        </p:spPr>
+        <p:style>
+          <a:lnRef idx="2">
+            <a:schemeClr val="accent1">
+              <a:shade val="50000"/>
+            </a:schemeClr>
+          </a:lnRef>
+          <a:fillRef idx="1">
+            <a:schemeClr val="accent1"/>
+          </a:fillRef>
+          <a:effectRef idx="0">
+            <a:schemeClr val="accent1"/>
+          </a:effectRef>
+          <a:fontRef idx="minor">
+            <a:schemeClr val="lt1"/>
+          </a:fontRef>
+        </p:style>
+        <p:txBody>
+          <a:bodyPr rtlCol="0" anchor="ctr"/>
+          <a:lstStyle/>
+          <a:p>
+            <a:pPr algn="ctr"/>
+            <a:endParaRPr lang="zh-CN" altLang="en-US"/>
+          </a:p>
+        </p:txBody>
+      </p:sp>
+      <p:sp>
+        <p:nvSpPr>
+          <p:cNvPr id="9" name="Oval 8"/>
+          <p:cNvSpPr/>
+          <p:nvPr/>
+        </p:nvSpPr>
+        <p:spPr>
+          <a:xfrm>
+            <a:off x="1910443" y="4278086"/>
+            <a:ext cx="1518557" cy="653143"/>
+          </a:xfrm>
+          <a:prstGeom prst="ellipse">
+            <a:avLst/>
+          </a:prstGeom>
+          <a:noFill/>
+        </p:spPr>
+        <p:style>
+          <a:lnRef idx="2">
+            <a:schemeClr val="accent1">
+              <a:shade val="50000"/>
+            </a:schemeClr>
+          </a:lnRef>
+          <a:fillRef idx="1">
+            <a:schemeClr val="accent1"/>
+          </a:fillRef>
+          <a:effectRef idx="0">
+            <a:schemeClr val="accent1"/>
+          </a:effectRef>
+          <a:fontRef idx="minor">
+            <a:schemeClr val="lt1"/>
+          </a:fontRef>
+        </p:style>
+        <p:txBody>
+          <a:bodyPr rtlCol="0" anchor="ctr"/>
+          <a:lstStyle/>
+          <a:p>
+            <a:pPr algn="ctr"/>
+            <a:endParaRPr lang="zh-CN" altLang="en-US"/>
+          </a:p>
+        </p:txBody>
+      </p:sp>
+      <p:sp>
+        <p:nvSpPr>
+          <p:cNvPr id="10" name="Oval 9"/>
+          <p:cNvSpPr/>
+          <p:nvPr/>
+        </p:nvSpPr>
+        <p:spPr>
+          <a:xfrm>
+            <a:off x="7984671" y="1371600"/>
+            <a:ext cx="1028700" cy="2057400"/>
+          </a:xfrm>
+          <a:prstGeom prst="ellipse">
+            <a:avLst/>
+          </a:prstGeom>
+          <a:noFill/>
+        </p:spPr>
+        <p:style>
+          <a:lnRef idx="2">
+            <a:schemeClr val="accent1">
+              <a:shade val="50000"/>
+            </a:schemeClr>
+          </a:lnRef>
+          <a:fillRef idx="1">
+            <a:schemeClr val="accent1"/>
+          </a:fillRef>
+          <a:effectRef idx="0">
+            <a:schemeClr val="accent1"/>
+          </a:effectRef>
+          <a:fontRef idx="minor">
+            <a:schemeClr val="lt1"/>
+          </a:fontRef>
+        </p:style>
+        <p:txBody>
+          <a:bodyPr rtlCol="0" anchor="ctr"/>
+          <a:lstStyle/>
+          <a:p>
+            <a:pPr algn="ctr"/>
+            <a:endParaRPr lang="zh-CN" altLang="en-US"/>
+          </a:p>
+        </p:txBody>
+      </p:sp>
+      <p:sp>
+        <p:nvSpPr>
+          <p:cNvPr id="11" name="Oval 10"/>
+          <p:cNvSpPr/>
+          <p:nvPr/>
+        </p:nvSpPr>
+        <p:spPr>
+          <a:xfrm>
+            <a:off x="10205357" y="1910443"/>
+            <a:ext cx="1598336" cy="1730828"/>
+          </a:xfrm>
+          <a:prstGeom prst="ellipse">
+            <a:avLst/>
+          </a:prstGeom>
+          <a:noFill/>
+        </p:spPr>
+        <p:style>
+          <a:lnRef idx="2">
+            <a:schemeClr val="accent1">
+              <a:shade val="50000"/>
+            </a:schemeClr>
+          </a:lnRef>
+          <a:fillRef idx="1">
+            <a:schemeClr val="accent1"/>
+          </a:fillRef>
+          <a:effectRef idx="0">
+            <a:schemeClr val="accent1"/>
+          </a:effectRef>
+          <a:fontRef idx="minor">
+            <a:schemeClr val="lt1"/>
+          </a:fontRef>
+        </p:style>
+        <p:txBody>
+          <a:bodyPr rtlCol="0" anchor="ctr"/>
+          <a:lstStyle/>
+          <a:p>
+            <a:pPr algn="ctr"/>
+            <a:endParaRPr lang="zh-CN" altLang="en-US"/>
+          </a:p>
+        </p:txBody>
+      </p:sp>
     </p:spTree>
     <p:extLst>
       <p:ext uri="{BB962C8B-B14F-4D97-AF65-F5344CB8AC3E}">
-        <p14:creationId xmlns:p14="http://schemas.microsoft.com/office/powerpoint/2010/main" val="2680021409"/>
+        <p14:creationId xmlns:p14="http://schemas.microsoft.com/office/powerpoint/2010/main" val="725182345"/>
+      </p:ext>
+    </p:extLst>
+  </p:cSld>
+  <p:clrMapOvr>
+    <a:masterClrMapping/>
+  </p:clrMapOvr>
+</p:sld>
+</file>
+
+<file path=ppt/slides/slide17.xml><?xml version="1.0" encoding="utf-8"?>
+<p:sld xmlns:a="http://schemas.openxmlformats.org/drawingml/2006/main" xmlns:r="http://schemas.openxmlformats.org/officeDocument/2006/relationships" xmlns:p="http://schemas.openxmlformats.org/presentationml/2006/main">
+  <p:cSld>
+    <p:spTree>
+      <p:nvGrpSpPr>
+        <p:cNvPr id="1" name=""/>
+        <p:cNvGrpSpPr/>
+        <p:nvPr/>
+      </p:nvGrpSpPr>
+      <p:grpSpPr>
+        <a:xfrm>
+          <a:off x="0" y="0"/>
+          <a:ext cx="0" cy="0"/>
+          <a:chOff x="0" y="0"/>
+          <a:chExt cx="0" cy="0"/>
+        </a:xfrm>
+      </p:grpSpPr>
+      <p:sp>
+        <p:nvSpPr>
+          <p:cNvPr id="2" name="Title 1"/>
+          <p:cNvSpPr>
+            <a:spLocks noGrp="1"/>
+          </p:cNvSpPr>
+          <p:nvPr>
+            <p:ph type="title"/>
+          </p:nvPr>
+        </p:nvSpPr>
+        <p:spPr/>
+        <p:txBody>
+          <a:bodyPr/>
+          <a:lstStyle/>
+          <a:p>
+            <a:endParaRPr lang="zh-CN" altLang="en-US"/>
+          </a:p>
+        </p:txBody>
+      </p:sp>
+      <p:sp>
+        <p:nvSpPr>
+          <p:cNvPr id="3" name="Content Placeholder 2"/>
+          <p:cNvSpPr>
+            <a:spLocks noGrp="1"/>
+          </p:cNvSpPr>
+          <p:nvPr>
+            <p:ph idx="1"/>
+          </p:nvPr>
+        </p:nvSpPr>
+        <p:spPr/>
+        <p:txBody>
+          <a:bodyPr/>
+          <a:lstStyle/>
+          <a:p>
+            <a:endParaRPr lang="zh-CN" altLang="en-US" dirty="0"/>
+          </a:p>
+        </p:txBody>
+      </p:sp>
+      <p:pic>
+        <p:nvPicPr>
+          <p:cNvPr id="4" name="Picture 3"/>
+          <p:cNvPicPr>
+            <a:picLocks noChangeAspect="1"/>
+          </p:cNvPicPr>
+          <p:nvPr/>
+        </p:nvPicPr>
+        <p:blipFill>
+          <a:blip r:embed="rId3"/>
+          <a:stretch>
+            <a:fillRect/>
+          </a:stretch>
+        </p:blipFill>
+        <p:spPr>
+          <a:xfrm>
+            <a:off x="1028700" y="687492"/>
+            <a:ext cx="10934019" cy="4174339"/>
+          </a:xfrm>
+          <a:prstGeom prst="rect">
+            <a:avLst/>
+          </a:prstGeom>
+        </p:spPr>
+      </p:pic>
+      <p:sp>
+        <p:nvSpPr>
+          <p:cNvPr id="5" name="Oval 4"/>
+          <p:cNvSpPr/>
+          <p:nvPr/>
+        </p:nvSpPr>
+        <p:spPr>
+          <a:xfrm>
+            <a:off x="1028700" y="1449719"/>
+            <a:ext cx="1289957" cy="1126672"/>
+          </a:xfrm>
+          <a:prstGeom prst="ellipse">
+            <a:avLst/>
+          </a:prstGeom>
+          <a:noFill/>
+          <a:ln>
+            <a:solidFill>
+              <a:srgbClr val="FF0000"/>
+            </a:solidFill>
+          </a:ln>
+        </p:spPr>
+        <p:style>
+          <a:lnRef idx="2">
+            <a:schemeClr val="accent1">
+              <a:shade val="50000"/>
+            </a:schemeClr>
+          </a:lnRef>
+          <a:fillRef idx="1">
+            <a:schemeClr val="accent1"/>
+          </a:fillRef>
+          <a:effectRef idx="0">
+            <a:schemeClr val="accent1"/>
+          </a:effectRef>
+          <a:fontRef idx="minor">
+            <a:schemeClr val="lt1"/>
+          </a:fontRef>
+        </p:style>
+        <p:txBody>
+          <a:bodyPr rtlCol="0" anchor="ctr"/>
+          <a:lstStyle/>
+          <a:p>
+            <a:pPr algn="ctr"/>
+            <a:endParaRPr lang="zh-CN" altLang="en-US"/>
+          </a:p>
+        </p:txBody>
+      </p:sp>
+      <p:pic>
+        <p:nvPicPr>
+          <p:cNvPr id="6" name="Picture 5"/>
+          <p:cNvPicPr>
+            <a:picLocks noChangeAspect="1"/>
+          </p:cNvPicPr>
+          <p:nvPr/>
+        </p:nvPicPr>
+        <p:blipFill>
+          <a:blip r:embed="rId4"/>
+          <a:stretch>
+            <a:fillRect/>
+          </a:stretch>
+        </p:blipFill>
+        <p:spPr>
+          <a:xfrm>
+            <a:off x="7150212" y="4861831"/>
+            <a:ext cx="3411311" cy="2250593"/>
+          </a:xfrm>
+          <a:prstGeom prst="rect">
+            <a:avLst/>
+          </a:prstGeom>
+        </p:spPr>
+      </p:pic>
+      <p:sp>
+        <p:nvSpPr>
+          <p:cNvPr id="7" name="Oval 6"/>
+          <p:cNvSpPr/>
+          <p:nvPr/>
+        </p:nvSpPr>
+        <p:spPr>
+          <a:xfrm>
+            <a:off x="7625443" y="5184198"/>
+            <a:ext cx="669471" cy="439860"/>
+          </a:xfrm>
+          <a:prstGeom prst="ellipse">
+            <a:avLst/>
+          </a:prstGeom>
+          <a:noFill/>
+          <a:ln>
+            <a:solidFill>
+              <a:srgbClr val="FF0000"/>
+            </a:solidFill>
+          </a:ln>
+        </p:spPr>
+        <p:style>
+          <a:lnRef idx="2">
+            <a:schemeClr val="accent1">
+              <a:shade val="50000"/>
+            </a:schemeClr>
+          </a:lnRef>
+          <a:fillRef idx="1">
+            <a:schemeClr val="accent1"/>
+          </a:fillRef>
+          <a:effectRef idx="0">
+            <a:schemeClr val="accent1"/>
+          </a:effectRef>
+          <a:fontRef idx="minor">
+            <a:schemeClr val="lt1"/>
+          </a:fontRef>
+        </p:style>
+        <p:txBody>
+          <a:bodyPr rtlCol="0" anchor="ctr"/>
+          <a:lstStyle/>
+          <a:p>
+            <a:pPr algn="ctr"/>
+            <a:endParaRPr lang="zh-CN" altLang="en-US"/>
+          </a:p>
+        </p:txBody>
+      </p:sp>
+    </p:spTree>
+    <p:extLst>
+      <p:ext uri="{BB962C8B-B14F-4D97-AF65-F5344CB8AC3E}">
+        <p14:creationId xmlns:p14="http://schemas.microsoft.com/office/powerpoint/2010/main" val="1925147050"/>
+      </p:ext>
+    </p:extLst>
+  </p:cSld>
+  <p:clrMapOvr>
+    <a:masterClrMapping/>
+  </p:clrMapOvr>
+</p:sld>
+</file>
+
+<file path=ppt/slides/slide18.xml><?xml version="1.0" encoding="utf-8"?>
+<p:sld xmlns:a="http://schemas.openxmlformats.org/drawingml/2006/main" xmlns:r="http://schemas.openxmlformats.org/officeDocument/2006/relationships" xmlns:p="http://schemas.openxmlformats.org/presentationml/2006/main">
+  <p:cSld>
+    <p:spTree>
+      <p:nvGrpSpPr>
+        <p:cNvPr id="1" name=""/>
+        <p:cNvGrpSpPr/>
+        <p:nvPr/>
+      </p:nvGrpSpPr>
+      <p:grpSpPr>
+        <a:xfrm>
+          <a:off x="0" y="0"/>
+          <a:ext cx="0" cy="0"/>
+          <a:chOff x="0" y="0"/>
+          <a:chExt cx="0" cy="0"/>
+        </a:xfrm>
+      </p:grpSpPr>
+      <p:sp>
+        <p:nvSpPr>
+          <p:cNvPr id="2" name="Title 1"/>
+          <p:cNvSpPr>
+            <a:spLocks noGrp="1"/>
+          </p:cNvSpPr>
+          <p:nvPr>
+            <p:ph type="title"/>
+          </p:nvPr>
+        </p:nvSpPr>
+        <p:spPr/>
+        <p:txBody>
+          <a:bodyPr/>
+          <a:lstStyle/>
+          <a:p>
+            <a:endParaRPr lang="zh-CN" altLang="en-US"/>
+          </a:p>
+        </p:txBody>
+      </p:sp>
+      <p:sp>
+        <p:nvSpPr>
+          <p:cNvPr id="3" name="Content Placeholder 2"/>
+          <p:cNvSpPr>
+            <a:spLocks noGrp="1"/>
+          </p:cNvSpPr>
+          <p:nvPr>
+            <p:ph idx="1"/>
+          </p:nvPr>
+        </p:nvSpPr>
+        <p:spPr/>
+        <p:txBody>
+          <a:bodyPr/>
+          <a:lstStyle/>
+          <a:p>
+            <a:endParaRPr lang="zh-CN" altLang="en-US" dirty="0"/>
+          </a:p>
+        </p:txBody>
+      </p:sp>
+      <p:pic>
+        <p:nvPicPr>
+          <p:cNvPr id="4" name="Picture 3"/>
+          <p:cNvPicPr>
+            <a:picLocks noChangeAspect="1"/>
+          </p:cNvPicPr>
+          <p:nvPr/>
+        </p:nvPicPr>
+        <p:blipFill>
+          <a:blip r:embed="rId3"/>
+          <a:stretch>
+            <a:fillRect/>
+          </a:stretch>
+        </p:blipFill>
+        <p:spPr>
+          <a:xfrm>
+            <a:off x="1028590" y="1545090"/>
+            <a:ext cx="5442966" cy="3435124"/>
+          </a:xfrm>
+          <a:prstGeom prst="rect">
+            <a:avLst/>
+          </a:prstGeom>
+        </p:spPr>
+      </p:pic>
+      <p:sp>
+        <p:nvSpPr>
+          <p:cNvPr id="5" name="Oval 4"/>
+          <p:cNvSpPr/>
+          <p:nvPr/>
+        </p:nvSpPr>
+        <p:spPr>
+          <a:xfrm>
+            <a:off x="2307091" y="2254137"/>
+            <a:ext cx="2253343" cy="1747157"/>
+          </a:xfrm>
+          <a:prstGeom prst="ellipse">
+            <a:avLst/>
+          </a:prstGeom>
+          <a:noFill/>
+        </p:spPr>
+        <p:style>
+          <a:lnRef idx="2">
+            <a:schemeClr val="accent1">
+              <a:shade val="50000"/>
+            </a:schemeClr>
+          </a:lnRef>
+          <a:fillRef idx="1">
+            <a:schemeClr val="accent1"/>
+          </a:fillRef>
+          <a:effectRef idx="0">
+            <a:schemeClr val="accent1"/>
+          </a:effectRef>
+          <a:fontRef idx="minor">
+            <a:schemeClr val="lt1"/>
+          </a:fontRef>
+        </p:style>
+        <p:txBody>
+          <a:bodyPr rtlCol="0" anchor="ctr"/>
+          <a:lstStyle/>
+          <a:p>
+            <a:pPr algn="ctr"/>
+            <a:endParaRPr lang="zh-CN" altLang="en-US"/>
+          </a:p>
+        </p:txBody>
+      </p:sp>
+      <p:sp>
+        <p:nvSpPr>
+          <p:cNvPr id="6" name="Oval 5"/>
+          <p:cNvSpPr/>
+          <p:nvPr/>
+        </p:nvSpPr>
+        <p:spPr>
+          <a:xfrm>
+            <a:off x="4697078" y="3077766"/>
+            <a:ext cx="2003078" cy="1387928"/>
+          </a:xfrm>
+          <a:prstGeom prst="ellipse">
+            <a:avLst/>
+          </a:prstGeom>
+          <a:noFill/>
+          <a:ln>
+            <a:solidFill>
+              <a:srgbClr val="FF0000"/>
+            </a:solidFill>
+          </a:ln>
+        </p:spPr>
+        <p:style>
+          <a:lnRef idx="2">
+            <a:schemeClr val="accent1">
+              <a:shade val="50000"/>
+            </a:schemeClr>
+          </a:lnRef>
+          <a:fillRef idx="1">
+            <a:schemeClr val="accent1"/>
+          </a:fillRef>
+          <a:effectRef idx="0">
+            <a:schemeClr val="accent1"/>
+          </a:effectRef>
+          <a:fontRef idx="minor">
+            <a:schemeClr val="lt1"/>
+          </a:fontRef>
+        </p:style>
+        <p:txBody>
+          <a:bodyPr rtlCol="0" anchor="ctr"/>
+          <a:lstStyle/>
+          <a:p>
+            <a:pPr algn="ctr"/>
+            <a:endParaRPr lang="zh-CN" altLang="en-US"/>
+          </a:p>
+        </p:txBody>
+      </p:sp>
+      <p:pic>
+        <p:nvPicPr>
+          <p:cNvPr id="7" name="Picture 6"/>
+          <p:cNvPicPr>
+            <a:picLocks noChangeAspect="1"/>
+          </p:cNvPicPr>
+          <p:nvPr/>
+        </p:nvPicPr>
+        <p:blipFill>
+          <a:blip r:embed="rId4"/>
+          <a:stretch>
+            <a:fillRect/>
+          </a:stretch>
+        </p:blipFill>
+        <p:spPr>
+          <a:xfrm>
+            <a:off x="6410325" y="1186202"/>
+            <a:ext cx="5400675" cy="4152900"/>
+          </a:xfrm>
+          <a:prstGeom prst="rect">
+            <a:avLst/>
+          </a:prstGeom>
+        </p:spPr>
+      </p:pic>
+    </p:spTree>
+    <p:extLst>
+      <p:ext uri="{BB962C8B-B14F-4D97-AF65-F5344CB8AC3E}">
+        <p14:creationId xmlns:p14="http://schemas.microsoft.com/office/powerpoint/2010/main" val="140321755"/>
+      </p:ext>
+    </p:extLst>
+  </p:cSld>
+  <p:clrMapOvr>
+    <a:masterClrMapping/>
+  </p:clrMapOvr>
+</p:sld>
+</file>
+
+<file path=ppt/slides/slide19.xml><?xml version="1.0" encoding="utf-8"?>
+<p:sld xmlns:a="http://schemas.openxmlformats.org/drawingml/2006/main" xmlns:r="http://schemas.openxmlformats.org/officeDocument/2006/relationships" xmlns:p="http://schemas.openxmlformats.org/presentationml/2006/main">
+  <p:cSld>
+    <p:spTree>
+      <p:nvGrpSpPr>
+        <p:cNvPr id="1" name=""/>
+        <p:cNvGrpSpPr/>
+        <p:nvPr/>
+      </p:nvGrpSpPr>
+      <p:grpSpPr>
+        <a:xfrm>
+          <a:off x="0" y="0"/>
+          <a:ext cx="0" cy="0"/>
+          <a:chOff x="0" y="0"/>
+          <a:chExt cx="0" cy="0"/>
+        </a:xfrm>
+      </p:grpSpPr>
+      <p:sp>
+        <p:nvSpPr>
+          <p:cNvPr id="2" name="Title 1"/>
+          <p:cNvSpPr>
+            <a:spLocks noGrp="1"/>
+          </p:cNvSpPr>
+          <p:nvPr>
+            <p:ph type="title"/>
+          </p:nvPr>
+        </p:nvSpPr>
+        <p:spPr/>
+        <p:txBody>
+          <a:bodyPr/>
+          <a:lstStyle/>
+          <a:p>
+            <a:endParaRPr lang="zh-CN" altLang="en-US"/>
+          </a:p>
+        </p:txBody>
+      </p:sp>
+      <p:pic>
+        <p:nvPicPr>
+          <p:cNvPr id="6" name="Content Placeholder 5"/>
+          <p:cNvPicPr>
+            <a:picLocks noGrp="1" noChangeAspect="1"/>
+          </p:cNvPicPr>
+          <p:nvPr>
+            <p:ph idx="1"/>
+          </p:nvPr>
+        </p:nvPicPr>
+        <p:blipFill>
+          <a:blip r:embed="rId3"/>
+          <a:stretch>
+            <a:fillRect/>
+          </a:stretch>
+        </p:blipFill>
+        <p:spPr>
+          <a:xfrm>
+            <a:off x="7574800" y="5161869"/>
+            <a:ext cx="4324350" cy="904875"/>
+          </a:xfrm>
+          <a:prstGeom prst="rect">
+            <a:avLst/>
+          </a:prstGeom>
+        </p:spPr>
+      </p:pic>
+      <p:pic>
+        <p:nvPicPr>
+          <p:cNvPr id="4" name="Picture 3"/>
+          <p:cNvPicPr>
+            <a:picLocks noChangeAspect="1"/>
+          </p:cNvPicPr>
+          <p:nvPr/>
+        </p:nvPicPr>
+        <p:blipFill>
+          <a:blip r:embed="rId4"/>
+          <a:stretch>
+            <a:fillRect/>
+          </a:stretch>
+        </p:blipFill>
+        <p:spPr>
+          <a:xfrm>
+            <a:off x="723900" y="675368"/>
+            <a:ext cx="6419850" cy="5181600"/>
+          </a:xfrm>
+          <a:prstGeom prst="rect">
+            <a:avLst/>
+          </a:prstGeom>
+        </p:spPr>
+      </p:pic>
+      <p:pic>
+        <p:nvPicPr>
+          <p:cNvPr id="5" name="Picture 4"/>
+          <p:cNvPicPr>
+            <a:picLocks noChangeAspect="1"/>
+          </p:cNvPicPr>
+          <p:nvPr/>
+        </p:nvPicPr>
+        <p:blipFill>
+          <a:blip r:embed="rId5"/>
+          <a:stretch>
+            <a:fillRect/>
+          </a:stretch>
+        </p:blipFill>
+        <p:spPr>
+          <a:xfrm>
+            <a:off x="7574800" y="486682"/>
+            <a:ext cx="4617200" cy="4675187"/>
+          </a:xfrm>
+          <a:prstGeom prst="rect">
+            <a:avLst/>
+          </a:prstGeom>
+        </p:spPr>
+      </p:pic>
+    </p:spTree>
+    <p:extLst>
+      <p:ext uri="{BB962C8B-B14F-4D97-AF65-F5344CB8AC3E}">
+        <p14:creationId xmlns:p14="http://schemas.microsoft.com/office/powerpoint/2010/main" val="615271015"/>
       </p:ext>
     </p:extLst>
   </p:cSld>
@@ -11746,6 +14044,78 @@
 </p:sld>
 </file>
 
+<file path=ppt/slides/slide20.xml><?xml version="1.0" encoding="utf-8"?>
+<p:sld xmlns:a="http://schemas.openxmlformats.org/drawingml/2006/main" xmlns:r="http://schemas.openxmlformats.org/officeDocument/2006/relationships" xmlns:p="http://schemas.openxmlformats.org/presentationml/2006/main">
+  <p:cSld>
+    <p:spTree>
+      <p:nvGrpSpPr>
+        <p:cNvPr id="1" name=""/>
+        <p:cNvGrpSpPr/>
+        <p:nvPr/>
+      </p:nvGrpSpPr>
+      <p:grpSpPr>
+        <a:xfrm>
+          <a:off x="0" y="0"/>
+          <a:ext cx="0" cy="0"/>
+          <a:chOff x="0" y="0"/>
+          <a:chExt cx="0" cy="0"/>
+        </a:xfrm>
+      </p:grpSpPr>
+      <p:sp>
+        <p:nvSpPr>
+          <p:cNvPr id="2" name="Title 1"/>
+          <p:cNvSpPr>
+            <a:spLocks noGrp="1"/>
+          </p:cNvSpPr>
+          <p:nvPr>
+            <p:ph type="title"/>
+          </p:nvPr>
+        </p:nvSpPr>
+        <p:spPr/>
+        <p:txBody>
+          <a:bodyPr/>
+          <a:lstStyle/>
+          <a:p>
+            <a:r>
+              <a:rPr lang="en-US" altLang="zh-CN" dirty="0" smtClean="0"/>
+              <a:t>Demo</a:t>
+            </a:r>
+            <a:endParaRPr lang="zh-CN" altLang="en-US" dirty="0"/>
+          </a:p>
+        </p:txBody>
+      </p:sp>
+      <p:sp>
+        <p:nvSpPr>
+          <p:cNvPr id="3" name="Content Placeholder 2"/>
+          <p:cNvSpPr>
+            <a:spLocks noGrp="1"/>
+          </p:cNvSpPr>
+          <p:nvPr>
+            <p:ph idx="1"/>
+          </p:nvPr>
+        </p:nvSpPr>
+        <p:spPr/>
+        <p:txBody>
+          <a:bodyPr/>
+          <a:lstStyle/>
+          <a:p>
+            <a:endParaRPr lang="zh-CN" altLang="en-US" dirty="0"/>
+          </a:p>
+        </p:txBody>
+      </p:sp>
+    </p:spTree>
+    <p:extLst>
+      <p:ext uri="{BB962C8B-B14F-4D97-AF65-F5344CB8AC3E}">
+        <p14:creationId xmlns:p14="http://schemas.microsoft.com/office/powerpoint/2010/main" val="722534728"/>
+      </p:ext>
+    </p:extLst>
+  </p:cSld>
+  <p:clrMapOvr>
+    <a:masterClrMapping/>
+  </p:clrMapOvr>
+</p:sld>
+</file>
+
 <file path=ppt/slides/slide3.xml><?xml version="1.0" encoding="utf-8"?>
 <p:sld xmlns:a="http://schemas.openxmlformats.org/drawingml/2006/main" xmlns:r="http://schemas.openxmlformats.org/officeDocument/2006/relationships" xmlns:p="http://schemas.openxmlformats.org/presentationml/2006/main">
   <p:cSld>
@@ -12137,6 +14507,30 @@
           </a:prstGeom>
         </p:spPr>
       </p:pic>
+      <p:pic>
+        <p:nvPicPr>
+          <p:cNvPr id="7" name="Picture 6"/>
+          <p:cNvPicPr>
+            <a:picLocks noChangeAspect="1"/>
+          </p:cNvPicPr>
+          <p:nvPr/>
+        </p:nvPicPr>
+        <p:blipFill>
+          <a:blip r:embed="rId6"/>
+          <a:stretch>
+            <a:fillRect/>
+          </a:stretch>
+        </p:blipFill>
+        <p:spPr>
+          <a:xfrm>
+            <a:off x="7894865" y="6482556"/>
+            <a:ext cx="3848100" cy="171450"/>
+          </a:xfrm>
+          <a:prstGeom prst="rect">
+            <a:avLst/>
+          </a:prstGeom>
+        </p:spPr>
+      </p:pic>
     </p:spTree>
     <p:extLst>
       <p:ext uri="{BB962C8B-B14F-4D97-AF65-F5344CB8AC3E}">
@@ -12207,12 +14601,66 @@
           <a:p>
             <a:r>
               <a:rPr lang="en-US" altLang="zh-CN" dirty="0" smtClean="0"/>
-              <a:t>Pearson coefficient</a:t>
-            </a:r>
+              <a:t>Pearson </a:t>
+            </a:r>
+            <a:r>
+              <a:rPr lang="en-US" altLang="zh-CN" dirty="0" smtClean="0"/>
+              <a:t>correlation coefficient</a:t>
+            </a:r>
+          </a:p>
+          <a:p>
             <a:endParaRPr lang="zh-CN" altLang="en-US" dirty="0"/>
           </a:p>
         </p:txBody>
       </p:sp>
+      <p:pic>
+        <p:nvPicPr>
+          <p:cNvPr id="4" name="Picture 3"/>
+          <p:cNvPicPr>
+            <a:picLocks noChangeAspect="1"/>
+          </p:cNvPicPr>
+          <p:nvPr/>
+        </p:nvPicPr>
+        <p:blipFill>
+          <a:blip r:embed="rId3"/>
+          <a:stretch>
+            <a:fillRect/>
+          </a:stretch>
+        </p:blipFill>
+        <p:spPr>
+          <a:xfrm>
+            <a:off x="1039585" y="2395537"/>
+            <a:ext cx="7464487" cy="2878592"/>
+          </a:xfrm>
+          <a:prstGeom prst="rect">
+            <a:avLst/>
+          </a:prstGeom>
+        </p:spPr>
+      </p:pic>
+      <p:pic>
+        <p:nvPicPr>
+          <p:cNvPr id="5" name="Picture 4"/>
+          <p:cNvPicPr>
+            <a:picLocks noChangeAspect="1"/>
+          </p:cNvPicPr>
+          <p:nvPr/>
+        </p:nvPicPr>
+        <p:blipFill>
+          <a:blip r:embed="rId4"/>
+          <a:stretch>
+            <a:fillRect/>
+          </a:stretch>
+        </p:blipFill>
+        <p:spPr>
+          <a:xfrm>
+            <a:off x="1209478" y="5615441"/>
+            <a:ext cx="3562350" cy="228600"/>
+          </a:xfrm>
+          <a:prstGeom prst="rect">
+            <a:avLst/>
+          </a:prstGeom>
+        </p:spPr>
+      </p:pic>
     </p:spTree>
     <p:extLst>
       <p:ext uri="{BB962C8B-B14F-4D97-AF65-F5344CB8AC3E}">
@@ -12301,11 +14749,7 @@
           <a:p>
             <a:r>
               <a:rPr lang="en-US" altLang="zh-CN" dirty="0" smtClean="0"/>
-              <a:t>Eigenvector view - </a:t>
-            </a:r>
-            <a:r>
-              <a:rPr lang="en-US" altLang="zh-CN" dirty="0" smtClean="0"/>
-              <a:t>parallel coordinator plot</a:t>
+              <a:t>Eigenvector view - parallel coordinator plot</a:t>
             </a:r>
           </a:p>
           <a:p>
@@ -12421,7 +14865,6 @@
               <a:rPr lang="en-US" altLang="zh-CN" dirty="0" smtClean="0"/>
               <a:t>Full dataset [‘latency’, ‘time’]</a:t>
             </a:r>
-            <a:endParaRPr lang="en-US" altLang="zh-CN" dirty="0" smtClean="0"/>
           </a:p>
           <a:p>
             <a:r>
@@ -12449,7 +14892,6 @@
               <a:rPr lang="en-US" altLang="zh-CN" dirty="0" smtClean="0"/>
               <a:t>Background color: range selected</a:t>
             </a:r>
-            <a:endParaRPr lang="en-US" altLang="zh-CN" dirty="0" smtClean="0"/>
           </a:p>
           <a:p>
             <a:r>
@@ -12616,7 +15058,6 @@
               <a:rPr lang="en-US" altLang="zh-CN" dirty="0" smtClean="0"/>
               <a:t>Person correlation coefficient value on the selected ranges</a:t>
             </a:r>
-            <a:endParaRPr lang="en-US" altLang="zh-CN" dirty="0" smtClean="0"/>
           </a:p>
           <a:p>
             <a:r>

--- a/final_presentation/VAML Final Presentation.pptx
+++ b/final_presentation/VAML Final Presentation.pptx
@@ -1721,8 +1721,8 @@
     <dgm:cxn modelId="{7101257E-0551-41C5-8C3B-D9EDF0761770}" type="presOf" srcId="{FFA3F70D-5F14-4D22-A076-33A7AEAD4855}" destId="{D9D671E5-6709-4BA2-AEF2-160813B5A6B4}" srcOrd="0" destOrd="0" presId="urn:microsoft.com/office/officeart/2005/8/layout/hProcess9"/>
     <dgm:cxn modelId="{18912D3D-4262-4C00-9E54-ACDE44E095F0}" type="presOf" srcId="{8E6E64F1-F529-4BE5-8280-C54D3E68AD93}" destId="{86DCBAF2-90B6-490B-B96F-EBBBD49666E5}" srcOrd="0" destOrd="0" presId="urn:microsoft.com/office/officeart/2005/8/layout/hProcess9"/>
     <dgm:cxn modelId="{14F28854-D087-4765-B248-72292E1DBBF6}" srcId="{4F7AA08E-AA84-428A-9DE5-3B7719F9E600}" destId="{CD6E029F-F7B4-4F6F-AB3D-8991B2734ED8}" srcOrd="6" destOrd="0" parTransId="{ADF4DAFB-60B9-42BE-9D89-20A1DB0879A4}" sibTransId="{92B55F62-5FEF-4E23-811E-46D7F5286216}"/>
+    <dgm:cxn modelId="{7F959159-D42F-44A9-8E58-5A6C43D633BE}" type="presOf" srcId="{1EC89E3F-AD1E-4FD7-9850-1E0C60FFD2AF}" destId="{95C1F2C3-E38C-43F6-996E-69E96143860C}" srcOrd="0" destOrd="0" presId="urn:microsoft.com/office/officeart/2005/8/layout/hProcess9"/>
     <dgm:cxn modelId="{56F5BDC4-D33C-468C-999C-5FA969F32093}" type="presOf" srcId="{3063FDB6-34C5-4054-89EF-187F7A80FC50}" destId="{53AC01DA-EF6A-4A35-9CEC-16E840DFFDA8}" srcOrd="0" destOrd="0" presId="urn:microsoft.com/office/officeart/2005/8/layout/hProcess9"/>
-    <dgm:cxn modelId="{7F959159-D42F-44A9-8E58-5A6C43D633BE}" type="presOf" srcId="{1EC89E3F-AD1E-4FD7-9850-1E0C60FFD2AF}" destId="{95C1F2C3-E38C-43F6-996E-69E96143860C}" srcOrd="0" destOrd="0" presId="urn:microsoft.com/office/officeart/2005/8/layout/hProcess9"/>
     <dgm:cxn modelId="{2A11C353-2671-4E9E-9ADF-305A5373848C}" srcId="{4F7AA08E-AA84-428A-9DE5-3B7719F9E600}" destId="{8E6E64F1-F529-4BE5-8280-C54D3E68AD93}" srcOrd="4" destOrd="0" parTransId="{07375ED0-0175-46E1-A7E0-3387C77D4873}" sibTransId="{82BBBCB5-D9BD-449E-A941-69AC724C9AB1}"/>
     <dgm:cxn modelId="{C62508BF-CCAF-413F-83BA-6215ACAF0291}" srcId="{4F7AA08E-AA84-428A-9DE5-3B7719F9E600}" destId="{3063FDB6-34C5-4054-89EF-187F7A80FC50}" srcOrd="1" destOrd="0" parTransId="{A7EFB2F8-FBF3-40A0-80DA-22500F274CE0}" sibTransId="{5B5FD93A-07F6-4775-836F-6DF34591D86E}"/>
     <dgm:cxn modelId="{A1DAAF44-65A8-4399-8127-19C493C5224C}" type="presOf" srcId="{AF962326-E88B-4BFD-9B3A-17133C57ED99}" destId="{95E4E1FE-7D13-410F-92DE-AD42AB6A4476}" srcOrd="0" destOrd="0" presId="urn:microsoft.com/office/officeart/2005/8/layout/hProcess9"/>
@@ -4131,15 +4131,11 @@
             </a:r>
             <a:r>
               <a:rPr lang="en-US" altLang="zh-CN" baseline="0" dirty="0" smtClean="0"/>
-              <a:t> in </a:t>
+              <a:t> in the stage of building model or in evaluating performance for a target application.  </a:t>
             </a:r>
             <a:r>
               <a:rPr lang="en-US" altLang="zh-CN" baseline="0" dirty="0" smtClean="0"/>
-              <a:t>the stage of building model </a:t>
-            </a:r>
-            <a:r>
-              <a:rPr lang="en-US" altLang="zh-CN" baseline="0" dirty="0" smtClean="0"/>
-              <a:t>or in evaluating performance for a target application.  </a:t>
+              <a:t>So that’s my project goal.</a:t>
             </a:r>
             <a:endParaRPr lang="zh-CN" altLang="en-US" dirty="0" smtClean="0"/>
           </a:p>
@@ -4234,7 +4230,31 @@
             </a:r>
             <a:r>
               <a:rPr lang="en-US" altLang="zh-CN" baseline="0" dirty="0" smtClean="0"/>
-              <a:t> draw it because it’s the most directly result we get from PCA. User can get the most 2 important composite components which describe high dimensional dataset well. Scatter plot provides a clear view on the projection. </a:t>
+              <a:t> draw it because it’s the most </a:t>
+            </a:r>
+            <a:r>
+              <a:rPr lang="en-US" altLang="zh-CN" baseline="0" dirty="0" smtClean="0"/>
+              <a:t>direct </a:t>
+            </a:r>
+            <a:r>
+              <a:rPr lang="en-US" altLang="zh-CN" baseline="0" dirty="0" smtClean="0"/>
+              <a:t>result we get from PCA. User can get the most 2 important composite components which describe </a:t>
+            </a:r>
+            <a:r>
+              <a:rPr lang="en-US" altLang="zh-CN" baseline="0" dirty="0" smtClean="0"/>
+              <a:t>the high dimensional </a:t>
+            </a:r>
+            <a:r>
+              <a:rPr lang="en-US" altLang="zh-CN" baseline="0" dirty="0" smtClean="0"/>
+              <a:t>dataset </a:t>
+            </a:r>
+            <a:r>
+              <a:rPr lang="en-US" altLang="zh-CN" baseline="0" dirty="0" smtClean="0"/>
+              <a:t>best. </a:t>
+            </a:r>
+            <a:r>
+              <a:rPr lang="en-US" altLang="zh-CN" baseline="0" dirty="0" smtClean="0"/>
+              <a:t>Scatter plot provides a clear view on the projection. </a:t>
             </a:r>
           </a:p>
           <a:p>
@@ -4360,15 +4380,7 @@
             </a:r>
             <a:r>
               <a:rPr lang="en-US" altLang="zh-CN" baseline="0" dirty="0" smtClean="0"/>
-              <a:t> But how can human get </a:t>
-            </a:r>
-            <a:r>
-              <a:rPr lang="en-US" altLang="zh-CN" baseline="0" dirty="0" smtClean="0"/>
-              <a:t>the actual meaning of them, like how </a:t>
-            </a:r>
-            <a:r>
-              <a:rPr lang="en-US" altLang="zh-CN" baseline="0" dirty="0" smtClean="0"/>
-              <a:t>the principle components are related to the actual attributes? So I plot these two </a:t>
+              <a:t> But how can human get the actual meaning of them, like how the principle components are related to the actual attributes? So I plot these two </a:t>
             </a:r>
             <a:r>
               <a:rPr lang="en-US" altLang="zh-CN" baseline="0" dirty="0" err="1" smtClean="0"/>
@@ -4376,11 +4388,7 @@
             </a:r>
             <a:r>
               <a:rPr lang="en-US" altLang="zh-CN" baseline="0" dirty="0" smtClean="0"/>
-              <a:t> </a:t>
-            </a:r>
-            <a:r>
-              <a:rPr lang="en-US" altLang="zh-CN" baseline="0" dirty="0" smtClean="0"/>
-              <a:t>to show and compare the ratio of actual attributes count in principle component analysis result. </a:t>
+              <a:t> to show and compare the ratio of actual attributes count in principle component analysis result. </a:t>
             </a:r>
             <a:r>
               <a:rPr lang="en-US" altLang="zh-CN" baseline="0" dirty="0" err="1" smtClean="0"/>
@@ -4412,15 +4420,7 @@
             </a:r>
             <a:r>
               <a:rPr lang="en-US" altLang="zh-CN" baseline="0" dirty="0" smtClean="0"/>
-              <a:t> library, user can select on the legend to determine which ranges to show. Comparing ratio of actual attributes </a:t>
-            </a:r>
-            <a:r>
-              <a:rPr lang="en-US" altLang="zh-CN" baseline="0" dirty="0" smtClean="0"/>
-              <a:t>allows people to observe </a:t>
-            </a:r>
-            <a:r>
-              <a:rPr lang="en-US" altLang="zh-CN" baseline="0" dirty="0" smtClean="0"/>
-              <a:t>the change in principle components better.  </a:t>
+              <a:t> library, user can select on the legend to determine which ranges to show. Comparing ratio of actual attributes allows people to observe the change in principle components better.  </a:t>
             </a:r>
             <a:endParaRPr lang="zh-CN" altLang="en-US" dirty="0"/>
           </a:p>
@@ -4536,11 +4536,7 @@
             </a:r>
             <a:r>
               <a:rPr lang="en-US" altLang="zh-CN" baseline="0" dirty="0" smtClean="0"/>
-              <a:t> time 9:53 to 10:05, the performance stays steady. And from 10:06, latency tends to decrease until at 10:13, latency stays steady again at a lower value compared with </a:t>
-            </a:r>
-            <a:r>
-              <a:rPr lang="en-US" altLang="zh-CN" baseline="0" dirty="0" smtClean="0"/>
-              <a:t>previous time period. </a:t>
+              <a:t> time 9:53 to 10:05, the performance stays steady. And from 10:06, latency tends to decrease until at 10:13, latency stays steady again at a lower value compared with previous time period. </a:t>
             </a:r>
             <a:endParaRPr lang="zh-CN" altLang="en-US" dirty="0"/>
           </a:p>
@@ -4882,11 +4878,7 @@
             </a:r>
             <a:r>
               <a:rPr lang="en-US" altLang="zh-CN" baseline="0" dirty="0" smtClean="0"/>
-              <a:t>, switch, memory bandwidth, system bandwidth are almost the same and they count for the majority of the components. This can also be inferred from the data view. Because most of data item seems to have high </a:t>
-            </a:r>
-            <a:r>
-              <a:rPr lang="en-US" altLang="zh-CN" baseline="0" dirty="0" smtClean="0"/>
-              <a:t>network, </a:t>
+              <a:t>, switch, memory bandwidth, system bandwidth are almost the same and they count for the majority of the components. This can also be inferred from the data view. Because most of data item seems to have high network, </a:t>
             </a:r>
             <a:r>
               <a:rPr lang="en-US" altLang="zh-CN" baseline="0" dirty="0" err="1" smtClean="0"/>
@@ -5659,7 +5651,7 @@
                 <a:ea typeface="+mn-ea"/>
                 <a:cs typeface="+mn-cs"/>
               </a:rPr>
-              <a:t> such that the greatest variance by some projection of the data comes to lie on the first principal component , the second greatest variance on the second principal component , and so on</a:t>
+              <a:t> such that the greatest variance by some projection of the data comes to lie on the first principal component , the </a:t>
             </a:r>
             <a:r>
               <a:rPr lang="en-US" altLang="zh-CN" sz="1200" b="0" i="0" kern="1200" dirty="0" smtClean="0">
@@ -5671,7 +5663,19 @@
                 <a:ea typeface="+mn-ea"/>
                 <a:cs typeface="+mn-cs"/>
               </a:rPr>
-              <a:t>.</a:t>
+              <a:t>second, </a:t>
+            </a:r>
+            <a:r>
+              <a:rPr lang="en-US" altLang="zh-CN" sz="1200" b="0" i="0" kern="1200" dirty="0" smtClean="0">
+                <a:solidFill>
+                  <a:schemeClr val="tx1"/>
+                </a:solidFill>
+                <a:effectLst/>
+                <a:latin typeface="+mn-lt"/>
+                <a:ea typeface="+mn-ea"/>
+                <a:cs typeface="+mn-cs"/>
+              </a:rPr>
+              <a:t>and so on.</a:t>
             </a:r>
           </a:p>
           <a:p>
@@ -5997,7 +6001,55 @@
                 <a:ea typeface="+mn-ea"/>
                 <a:cs typeface="+mn-cs"/>
               </a:rPr>
-              <a:t>The Pearson product-moment correlation coefficient is a measure of the strength of the linear relationship between two variables. it has a value between +1 and −1, where 1 is total positive linear correlation, 0 is no linear correlation, and −1 is total negative linear correlation.</a:t>
+              <a:t>The Pearson </a:t>
+            </a:r>
+            <a:r>
+              <a:rPr lang="en-US" altLang="zh-CN" sz="1200" b="0" i="0" kern="1200" dirty="0" smtClean="0">
+                <a:solidFill>
+                  <a:schemeClr val="tx1"/>
+                </a:solidFill>
+                <a:effectLst/>
+                <a:latin typeface="+mn-lt"/>
+                <a:ea typeface="+mn-ea"/>
+                <a:cs typeface="+mn-cs"/>
+              </a:rPr>
+              <a:t>correlation </a:t>
+            </a:r>
+            <a:r>
+              <a:rPr lang="en-US" altLang="zh-CN" sz="1200" b="0" i="0" kern="1200" dirty="0" smtClean="0">
+                <a:solidFill>
+                  <a:schemeClr val="tx1"/>
+                </a:solidFill>
+                <a:effectLst/>
+                <a:latin typeface="+mn-lt"/>
+                <a:ea typeface="+mn-ea"/>
+                <a:cs typeface="+mn-cs"/>
+              </a:rPr>
+              <a:t>coefficient is a measure of the strength of the linear relationship between two variables. it has a value between +1 and −1, where 1 is total positive linear correlation, 0 is no linear correlation, and −1 is total negative linear correlation</a:t>
+            </a:r>
+            <a:r>
+              <a:rPr lang="en-US" altLang="zh-CN" sz="1200" b="0" i="0" kern="1200" dirty="0" smtClean="0">
+                <a:solidFill>
+                  <a:schemeClr val="tx1"/>
+                </a:solidFill>
+                <a:effectLst/>
+                <a:latin typeface="+mn-lt"/>
+                <a:ea typeface="+mn-ea"/>
+                <a:cs typeface="+mn-cs"/>
+              </a:rPr>
+              <a:t>. In</a:t>
+            </a:r>
+            <a:r>
+              <a:rPr lang="en-US" altLang="zh-CN" sz="1200" b="0" i="0" kern="1200" baseline="0" dirty="0" smtClean="0">
+                <a:solidFill>
+                  <a:schemeClr val="tx1"/>
+                </a:solidFill>
+                <a:effectLst/>
+                <a:latin typeface="+mn-lt"/>
+                <a:ea typeface="+mn-ea"/>
+                <a:cs typeface="+mn-cs"/>
+              </a:rPr>
+              <a:t> my case the variables are system metrics do we can see the correlation between them</a:t>
             </a:r>
             <a:endParaRPr lang="zh-CN" altLang="en-US" dirty="0"/>
           </a:p>
@@ -6085,27 +6137,19 @@
           <a:p>
             <a:r>
               <a:rPr lang="en-US" altLang="zh-CN" dirty="0" smtClean="0"/>
-              <a:t>I have six view to provide a clear</a:t>
+              <a:t>I have six </a:t>
+            </a:r>
+            <a:r>
+              <a:rPr lang="en-US" altLang="zh-CN" dirty="0" smtClean="0"/>
+              <a:t>views </a:t>
+            </a:r>
+            <a:r>
+              <a:rPr lang="en-US" altLang="zh-CN" dirty="0" smtClean="0"/>
+              <a:t>to provide a clear</a:t>
             </a:r>
             <a:r>
               <a:rPr lang="en-US" altLang="zh-CN" baseline="0" dirty="0" smtClean="0"/>
-              <a:t> </a:t>
-            </a:r>
-            <a:r>
-              <a:rPr lang="en-US" altLang="zh-CN" baseline="0" dirty="0" smtClean="0"/>
-              <a:t>insight to the relation </a:t>
-            </a:r>
-            <a:r>
-              <a:rPr lang="en-US" altLang="zh-CN" baseline="0" dirty="0" smtClean="0"/>
-              <a:t>between application performance and system pressure, based on the PCA model. </a:t>
-            </a:r>
-            <a:r>
-              <a:rPr lang="en-US" altLang="zh-CN" baseline="0" dirty="0" smtClean="0"/>
-              <a:t>I’ll </a:t>
-            </a:r>
-            <a:r>
-              <a:rPr lang="en-US" altLang="zh-CN" baseline="0" dirty="0" smtClean="0"/>
-              <a:t>go through them individually. </a:t>
+              <a:t> insight to the relation between application performance and system pressure, based on the PCA model. I’ll go through them individually. </a:t>
             </a:r>
             <a:endParaRPr lang="zh-CN" altLang="en-US" dirty="0"/>
           </a:p>
@@ -6213,7 +6257,15 @@
             </a:r>
             <a:r>
               <a:rPr lang="en-US" altLang="zh-CN" baseline="0" dirty="0" smtClean="0"/>
-              <a:t> is a good way to give insight to performance.  The data encoded here is the time and latency attribute from the raw dataset. X axis is time, Y axis is latency. User can drag ranges for comparison because you can see there is some time period with high latency, and some are low so it’s important to allow user to compare with these intervals to see what happens. And the range they select are marked with different background colors. Selecting time periods influences all plots so I’ll go through it later.  </a:t>
+              <a:t> is a good way to give insight to performance.  The data encoded here is the time and latency attribute from the raw dataset. X axis is time, Y axis is latency. User can drag ranges for comparison because you can see there is some time period with high latency, and some are low so it’s important to allow user to compare with these intervals to see what happens. And the </a:t>
+            </a:r>
+            <a:r>
+              <a:rPr lang="en-US" altLang="zh-CN" baseline="0" dirty="0" smtClean="0"/>
+              <a:t>ranges </a:t>
+            </a:r>
+            <a:r>
+              <a:rPr lang="en-US" altLang="zh-CN" baseline="0" dirty="0" smtClean="0"/>
+              <a:t>they select are marked with different background colors. Selecting time periods influences all plots so I’ll go through it later.  </a:t>
             </a:r>
             <a:endParaRPr lang="zh-CN" altLang="en-US" dirty="0"/>
           </a:p>
@@ -6309,15 +6361,43 @@
             </a:r>
             <a:r>
               <a:rPr lang="en-US" altLang="zh-CN" dirty="0" smtClean="0"/>
-              <a:t>Person correlation coefficient value on the selected ranges. Default</a:t>
+              <a:t>Pearson </a:t>
+            </a:r>
+            <a:r>
+              <a:rPr lang="en-US" altLang="zh-CN" dirty="0" smtClean="0"/>
+              <a:t>correlation coefficient value on the selected ranges. Default</a:t>
             </a:r>
             <a:r>
               <a:rPr lang="en-US" altLang="zh-CN" baseline="0" dirty="0" smtClean="0"/>
-              <a:t> is the full dataset. As you can see, the row and column is metrics and cells values are numbers and scatter plots. For the cells that contains numbers, the values of cell are  </a:t>
-            </a:r>
-            <a:r>
-              <a:rPr lang="en-US" altLang="zh-CN" dirty="0" smtClean="0"/>
-              <a:t>Person correlation coefficient value.</a:t>
+              <a:t> is the full dataset. As you can see, the row and column </a:t>
+            </a:r>
+            <a:r>
+              <a:rPr lang="en-US" altLang="zh-CN" baseline="0" dirty="0" smtClean="0"/>
+              <a:t>are </a:t>
+            </a:r>
+            <a:r>
+              <a:rPr lang="en-US" altLang="zh-CN" baseline="0" dirty="0" smtClean="0"/>
+              <a:t>metrics and </a:t>
+            </a:r>
+            <a:r>
+              <a:rPr lang="en-US" altLang="zh-CN" baseline="0" dirty="0" smtClean="0"/>
+              <a:t>cell </a:t>
+            </a:r>
+            <a:r>
+              <a:rPr lang="en-US" altLang="zh-CN" baseline="0" dirty="0" smtClean="0"/>
+              <a:t>values are numbers and scatter plots. For the cells that contains numbers, the values </a:t>
+            </a:r>
+            <a:r>
+              <a:rPr lang="en-US" altLang="zh-CN" baseline="0" dirty="0" smtClean="0"/>
+              <a:t>are </a:t>
+            </a:r>
+            <a:r>
+              <a:rPr lang="en-US" altLang="zh-CN" dirty="0" smtClean="0"/>
+              <a:t>Pearson </a:t>
+            </a:r>
+            <a:r>
+              <a:rPr lang="en-US" altLang="zh-CN" dirty="0" smtClean="0"/>
+              <a:t>correlation coefficient value.</a:t>
             </a:r>
             <a:r>
               <a:rPr lang="en-US" altLang="zh-CN" baseline="0" dirty="0" smtClean="0"/>
@@ -6347,7 +6427,11 @@
             </a:r>
             <a:r>
               <a:rPr lang="en-US" altLang="zh-CN" dirty="0" smtClean="0"/>
-              <a:t>Person correlation is important</a:t>
+              <a:t>Pearson </a:t>
+            </a:r>
+            <a:r>
+              <a:rPr lang="en-US" altLang="zh-CN" dirty="0" smtClean="0"/>
+              <a:t>correlation is important</a:t>
             </a:r>
             <a:r>
               <a:rPr lang="en-US" altLang="zh-CN" baseline="0" dirty="0" smtClean="0"/>
@@ -6459,7 +6543,15 @@
             </a:r>
             <a:r>
               <a:rPr lang="en-US" altLang="zh-CN" baseline="0" dirty="0" smtClean="0"/>
-              <a:t>, from light purple to dark purple, light red to dark red, represents the latency. And I gave a radio for user to switch this color encoding. You can change it to time attribute. And the color bar will change and well scaled too. </a:t>
+              <a:t>, from light purple to dark purple, light red to dark red, represents the latency. And I gave a radio for user to switch this color encoding. You can change it to time attribute. And the color bar will change and </a:t>
+            </a:r>
+            <a:r>
+              <a:rPr lang="en-US" altLang="zh-CN" baseline="0" dirty="0" smtClean="0"/>
+              <a:t>be well </a:t>
+            </a:r>
+            <a:r>
+              <a:rPr lang="en-US" altLang="zh-CN" baseline="0" dirty="0" smtClean="0"/>
+              <a:t>scaled too. </a:t>
             </a:r>
           </a:p>
           <a:p>
@@ -6473,7 +6565,15 @@
             </a:r>
             <a:r>
               <a:rPr lang="en-US" altLang="zh-CN" baseline="0" dirty="0" smtClean="0"/>
-              <a:t> because you can observe something like ‘high latency is along with high </a:t>
+              <a:t> because you can observe something like ‘high latency is </a:t>
+            </a:r>
+            <a:r>
+              <a:rPr lang="en-US" altLang="zh-CN" baseline="0" dirty="0" smtClean="0"/>
+              <a:t>always along </a:t>
+            </a:r>
+            <a:r>
+              <a:rPr lang="en-US" altLang="zh-CN" baseline="0" dirty="0" smtClean="0"/>
+              <a:t>with high </a:t>
             </a:r>
             <a:r>
               <a:rPr lang="en-US" altLang="zh-CN" baseline="0" dirty="0" err="1" smtClean="0"/>
@@ -6637,7 +6737,23 @@
             </a:r>
             <a:r>
               <a:rPr lang="en-US" altLang="zh-CN" baseline="0" dirty="0" smtClean="0"/>
-              <a:t> plot tries to explain how to get the principle components in detailed. So it’s import for PCA visualization. </a:t>
+              <a:t> plot tries to explain how to get the principle components in </a:t>
+            </a:r>
+            <a:r>
+              <a:rPr lang="en-US" altLang="zh-CN" baseline="0" dirty="0" smtClean="0"/>
+              <a:t>detail. </a:t>
+            </a:r>
+            <a:r>
+              <a:rPr lang="en-US" altLang="zh-CN" baseline="0" dirty="0" smtClean="0"/>
+              <a:t>So it’s </a:t>
+            </a:r>
+            <a:r>
+              <a:rPr lang="en-US" altLang="zh-CN" baseline="0" dirty="0" smtClean="0"/>
+              <a:t>important </a:t>
+            </a:r>
+            <a:r>
+              <a:rPr lang="en-US" altLang="zh-CN" baseline="0" dirty="0" smtClean="0"/>
+              <a:t>for PCA visualization. </a:t>
             </a:r>
             <a:endParaRPr lang="zh-CN" altLang="en-US" dirty="0"/>
           </a:p>
@@ -9598,6 +9714,13 @@
   <p:clrMapOvr>
     <a:masterClrMapping/>
   </p:clrMapOvr>
+  <p:timing>
+    <p:tnLst>
+      <p:par>
+        <p:cTn id="1" dur="indefinite" restart="never" nodeType="tmRoot"/>
+      </p:par>
+    </p:tnLst>
+  </p:timing>
 </p:sld>
 </file>
 
@@ -9667,7 +9790,11 @@
             <a:pPr lvl="1"/>
             <a:r>
               <a:rPr lang="en-US" altLang="zh-CN" dirty="0" smtClean="0"/>
-              <a:t>D3.js - parallel-coordinates(syntagmatic) &amp; </a:t>
+              <a:t>D3.js - parallel-coordinates(syntagmatic) </a:t>
+            </a:r>
+            <a:r>
+              <a:rPr lang="en-US" altLang="zh-CN" dirty="0" smtClean="0"/>
+              <a:t>&amp;&amp; </a:t>
             </a:r>
             <a:r>
               <a:rPr lang="en-US" altLang="zh-CN" dirty="0" err="1" smtClean="0"/>
@@ -9840,6 +9967,13 @@
   <p:clrMapOvr>
     <a:masterClrMapping/>
   </p:clrMapOvr>
+  <p:timing>
+    <p:tnLst>
+      <p:par>
+        <p:cTn id="1" dur="indefinite" restart="never" nodeType="tmRoot"/>
+      </p:par>
+    </p:tnLst>
+  </p:timing>
 </p:sld>
 </file>
 
@@ -10090,6 +10224,13 @@
   <p:clrMapOvr>
     <a:masterClrMapping/>
   </p:clrMapOvr>
+  <p:timing>
+    <p:tnLst>
+      <p:par>
+        <p:cTn id="1" dur="indefinite" restart="never" nodeType="tmRoot"/>
+      </p:par>
+    </p:tnLst>
+  </p:timing>
 </p:sld>
 </file>
 
@@ -10298,6 +10439,13 @@
   <p:clrMapOvr>
     <a:masterClrMapping/>
   </p:clrMapOvr>
+  <p:timing>
+    <p:tnLst>
+      <p:par>
+        <p:cTn id="1" dur="indefinite" restart="never" nodeType="tmRoot"/>
+      </p:par>
+    </p:tnLst>
+  </p:timing>
 </p:sld>
 </file>
 
@@ -10506,6 +10654,13 @@
   <p:clrMapOvr>
     <a:masterClrMapping/>
   </p:clrMapOvr>
+  <p:timing>
+    <p:tnLst>
+      <p:par>
+        <p:cTn id="1" dur="indefinite" restart="never" nodeType="tmRoot"/>
+      </p:par>
+    </p:tnLst>
+  </p:timing>
 </p:sld>
 </file>
 
@@ -10574,15 +10729,7 @@
             </a:r>
             <a:r>
               <a:rPr lang="en-US" altLang="zh-CN" dirty="0" smtClean="0"/>
-              <a:t>’</a:t>
-            </a:r>
-            <a:r>
-              <a:rPr lang="en-US" altLang="zh-CN" dirty="0" smtClean="0"/>
-              <a:t> </a:t>
-            </a:r>
-            <a:r>
-              <a:rPr lang="en-US" altLang="zh-CN" dirty="0" smtClean="0"/>
-              <a:t>data as an example</a:t>
+              <a:t>’ data as an example</a:t>
             </a:r>
           </a:p>
           <a:p>
@@ -10761,6 +10908,13 @@
   <p:clrMapOvr>
     <a:masterClrMapping/>
   </p:clrMapOvr>
+  <p:timing>
+    <p:tnLst>
+      <p:par>
+        <p:cTn id="1" dur="indefinite" restart="never" nodeType="tmRoot"/>
+      </p:par>
+    </p:tnLst>
+  </p:timing>
 </p:sld>
 </file>
 
@@ -10860,6 +11014,13 @@
   <p:clrMapOvr>
     <a:masterClrMapping/>
   </p:clrMapOvr>
+  <p:timing>
+    <p:tnLst>
+      <p:par>
+        <p:cTn id="1" dur="indefinite" restart="never" nodeType="tmRoot"/>
+      </p:par>
+    </p:tnLst>
+  </p:timing>
 </p:sld>
 </file>
 
@@ -11171,6 +11332,13 @@
   <p:clrMapOvr>
     <a:masterClrMapping/>
   </p:clrMapOvr>
+  <p:timing>
+    <p:tnLst>
+      <p:par>
+        <p:cTn id="1" dur="indefinite" restart="never" nodeType="tmRoot"/>
+      </p:par>
+    </p:tnLst>
+  </p:timing>
 </p:sld>
 </file>
 
@@ -11379,6 +11547,13 @@
   <p:clrMapOvr>
     <a:masterClrMapping/>
   </p:clrMapOvr>
+  <p:timing>
+    <p:tnLst>
+      <p:par>
+        <p:cTn id="1" dur="indefinite" restart="never" nodeType="tmRoot"/>
+      </p:par>
+    </p:tnLst>
+  </p:timing>
 </p:sld>
 </file>
 
@@ -11582,6 +11757,13 @@
   <p:clrMapOvr>
     <a:masterClrMapping/>
   </p:clrMapOvr>
+  <p:timing>
+    <p:tnLst>
+      <p:par>
+        <p:cTn id="1" dur="indefinite" restart="never" nodeType="tmRoot"/>
+      </p:par>
+    </p:tnLst>
+  </p:timing>
 </p:sld>
 </file>
 
@@ -11705,6 +11887,13 @@
   <p:clrMapOvr>
     <a:masterClrMapping/>
   </p:clrMapOvr>
+  <p:timing>
+    <p:tnLst>
+      <p:par>
+        <p:cTn id="1" dur="indefinite" restart="never" nodeType="tmRoot"/>
+      </p:par>
+    </p:tnLst>
+  </p:timing>
 </p:sld>
 </file>
 
@@ -14041,6 +14230,13 @@
   <p:clrMapOvr>
     <a:masterClrMapping/>
   </p:clrMapOvr>
+  <p:timing>
+    <p:tnLst>
+      <p:par>
+        <p:cTn id="1" dur="indefinite" restart="never" nodeType="tmRoot"/>
+      </p:par>
+    </p:tnLst>
+  </p:timing>
 </p:sld>
 </file>
 
@@ -14113,6 +14309,13 @@
   <p:clrMapOvr>
     <a:masterClrMapping/>
   </p:clrMapOvr>
+  <p:timing>
+    <p:tnLst>
+      <p:par>
+        <p:cTn id="1" dur="indefinite" restart="never" nodeType="tmRoot"/>
+      </p:par>
+    </p:tnLst>
+  </p:timing>
 </p:sld>
 </file>
 
@@ -14228,6 +14431,13 @@
   <p:clrMapOvr>
     <a:masterClrMapping/>
   </p:clrMapOvr>
+  <p:timing>
+    <p:tnLst>
+      <p:par>
+        <p:cTn id="1" dur="indefinite" restart="never" nodeType="tmRoot"/>
+      </p:par>
+    </p:tnLst>
+  </p:timing>
 </p:sld>
 </file>
 
@@ -14355,6 +14565,13 @@
   <p:clrMapOvr>
     <a:masterClrMapping/>
   </p:clrMapOvr>
+  <p:timing>
+    <p:tnLst>
+      <p:par>
+        <p:cTn id="1" dur="indefinite" restart="never" nodeType="tmRoot"/>
+      </p:par>
+    </p:tnLst>
+  </p:timing>
 </p:sld>
 </file>
 
@@ -14541,6 +14758,13 @@
   <p:clrMapOvr>
     <a:masterClrMapping/>
   </p:clrMapOvr>
+  <p:timing>
+    <p:tnLst>
+      <p:par>
+        <p:cTn id="1" dur="indefinite" restart="never" nodeType="tmRoot"/>
+      </p:par>
+    </p:tnLst>
+  </p:timing>
 </p:sld>
 </file>
 
@@ -14601,11 +14825,7 @@
           <a:p>
             <a:r>
               <a:rPr lang="en-US" altLang="zh-CN" dirty="0" smtClean="0"/>
-              <a:t>Pearson </a:t>
-            </a:r>
-            <a:r>
-              <a:rPr lang="en-US" altLang="zh-CN" dirty="0" smtClean="0"/>
-              <a:t>correlation coefficient</a:t>
+              <a:t>Pearson correlation coefficient</a:t>
             </a:r>
           </a:p>
           <a:p>
@@ -14671,6 +14891,13 @@
   <p:clrMapOvr>
     <a:masterClrMapping/>
   </p:clrMapOvr>
+  <p:timing>
+    <p:tnLst>
+      <p:par>
+        <p:cTn id="1" dur="indefinite" restart="never" nodeType="tmRoot"/>
+      </p:par>
+    </p:tnLst>
+  </p:timing>
 </p:sld>
 </file>
 
@@ -14781,6 +15008,13 @@
   <p:clrMapOvr>
     <a:masterClrMapping/>
   </p:clrMapOvr>
+  <p:timing>
+    <p:tnLst>
+      <p:par>
+        <p:cTn id="1" dur="indefinite" restart="never" nodeType="tmRoot"/>
+      </p:par>
+    </p:tnLst>
+  </p:timing>
 </p:sld>
 </file>
 
@@ -14974,6 +15208,13 @@
   <p:clrMapOvr>
     <a:masterClrMapping/>
   </p:clrMapOvr>
+  <p:timing>
+    <p:tnLst>
+      <p:par>
+        <p:cTn id="1" dur="indefinite" restart="never" nodeType="tmRoot"/>
+      </p:par>
+    </p:tnLst>
+  </p:timing>
 </p:sld>
 </file>
 
@@ -15203,6 +15444,13 @@
   <p:clrMapOvr>
     <a:masterClrMapping/>
   </p:clrMapOvr>
+  <p:timing>
+    <p:tnLst>
+      <p:par>
+        <p:cTn id="1" dur="indefinite" restart="never" nodeType="tmRoot"/>
+      </p:par>
+    </p:tnLst>
+  </p:timing>
 </p:sld>
 </file>
 
